--- a/Презентация телеграмм бота.pptx
+++ b/Презентация телеграмм бота.pptx
@@ -4,16 +4,20 @@
   <p:sldMasterIdLst>
     <p:sldMasterId id="2147483783" r:id="rId1"/>
   </p:sldMasterIdLst>
+  <p:notesMasterIdLst>
+    <p:notesMasterId r:id="rId12"/>
+  </p:notesMasterIdLst>
   <p:sldIdLst>
     <p:sldId id="256" r:id="rId2"/>
     <p:sldId id="257" r:id="rId3"/>
-    <p:sldId id="260" r:id="rId4"/>
-    <p:sldId id="267" r:id="rId5"/>
-    <p:sldId id="281" r:id="rId6"/>
-    <p:sldId id="280" r:id="rId7"/>
-    <p:sldId id="282" r:id="rId8"/>
-    <p:sldId id="278" r:id="rId9"/>
-    <p:sldId id="279" r:id="rId10"/>
+    <p:sldId id="284" r:id="rId4"/>
+    <p:sldId id="260" r:id="rId5"/>
+    <p:sldId id="267" r:id="rId6"/>
+    <p:sldId id="281" r:id="rId7"/>
+    <p:sldId id="280" r:id="rId8"/>
+    <p:sldId id="282" r:id="rId9"/>
+    <p:sldId id="278" r:id="rId10"/>
+    <p:sldId id="279" r:id="rId11"/>
   </p:sldIdLst>
   <p:sldSz cx="12192000" cy="6858000"/>
   <p:notesSz cx="6858000" cy="9144000"/>
@@ -120,6 +124,524 @@
 </p:presentation>
 </file>
 
+<file path=ppt/notesMasters/notesMaster1.xml><?xml version="1.0" encoding="utf-8"?>
+<p:notesMaster xmlns:a="http://schemas.openxmlformats.org/drawingml/2006/main" xmlns:r="http://schemas.openxmlformats.org/officeDocument/2006/relationships" xmlns:p="http://schemas.openxmlformats.org/presentationml/2006/main">
+  <p:cSld>
+    <p:bg>
+      <p:bgRef idx="1001">
+        <a:schemeClr val="bg1"/>
+      </p:bgRef>
+    </p:bg>
+    <p:spTree>
+      <p:nvGrpSpPr>
+        <p:cNvPr id="1" name=""/>
+        <p:cNvGrpSpPr/>
+        <p:nvPr/>
+      </p:nvGrpSpPr>
+      <p:grpSpPr>
+        <a:xfrm>
+          <a:off x="0" y="0"/>
+          <a:ext cx="0" cy="0"/>
+          <a:chOff x="0" y="0"/>
+          <a:chExt cx="0" cy="0"/>
+        </a:xfrm>
+      </p:grpSpPr>
+      <p:sp>
+        <p:nvSpPr>
+          <p:cNvPr id="2" name="Верхний колонтитул 1"/>
+          <p:cNvSpPr>
+            <a:spLocks noGrp="1"/>
+          </p:cNvSpPr>
+          <p:nvPr>
+            <p:ph type="hdr" sz="quarter"/>
+          </p:nvPr>
+        </p:nvSpPr>
+        <p:spPr>
+          <a:xfrm>
+            <a:off x="0" y="0"/>
+            <a:ext cx="2971800" cy="458788"/>
+          </a:xfrm>
+          <a:prstGeom prst="rect">
+            <a:avLst/>
+          </a:prstGeom>
+        </p:spPr>
+        <p:txBody>
+          <a:bodyPr vert="horz" lIns="91440" tIns="45720" rIns="91440" bIns="45720" rtlCol="0"/>
+          <a:lstStyle>
+            <a:lvl1pPr algn="l">
+              <a:defRPr sz="1200"/>
+            </a:lvl1pPr>
+          </a:lstStyle>
+          <a:p>
+            <a:endParaRPr lang="ru-RU"/>
+          </a:p>
+        </p:txBody>
+      </p:sp>
+      <p:sp>
+        <p:nvSpPr>
+          <p:cNvPr id="3" name="Дата 2"/>
+          <p:cNvSpPr>
+            <a:spLocks noGrp="1"/>
+          </p:cNvSpPr>
+          <p:nvPr>
+            <p:ph type="dt" idx="1"/>
+          </p:nvPr>
+        </p:nvSpPr>
+        <p:spPr>
+          <a:xfrm>
+            <a:off x="3884613" y="0"/>
+            <a:ext cx="2971800" cy="458788"/>
+          </a:xfrm>
+          <a:prstGeom prst="rect">
+            <a:avLst/>
+          </a:prstGeom>
+        </p:spPr>
+        <p:txBody>
+          <a:bodyPr vert="horz" lIns="91440" tIns="45720" rIns="91440" bIns="45720" rtlCol="0"/>
+          <a:lstStyle>
+            <a:lvl1pPr algn="r">
+              <a:defRPr sz="1200"/>
+            </a:lvl1pPr>
+          </a:lstStyle>
+          <a:p>
+            <a:fld id="{B2091305-F81D-4089-BC20-A0B4A20D3FDC}" type="datetimeFigureOut">
+              <a:rPr lang="ru-RU" smtClean="0"/>
+              <a:t>12.05.2018</a:t>
+            </a:fld>
+            <a:endParaRPr lang="ru-RU"/>
+          </a:p>
+        </p:txBody>
+      </p:sp>
+      <p:sp>
+        <p:nvSpPr>
+          <p:cNvPr id="4" name="Образ слайда 3"/>
+          <p:cNvSpPr>
+            <a:spLocks noGrp="1" noRot="1" noChangeAspect="1"/>
+          </p:cNvSpPr>
+          <p:nvPr>
+            <p:ph type="sldImg" idx="2"/>
+          </p:nvPr>
+        </p:nvSpPr>
+        <p:spPr>
+          <a:xfrm>
+            <a:off x="685800" y="1143000"/>
+            <a:ext cx="5486400" cy="3086100"/>
+          </a:xfrm>
+          <a:prstGeom prst="rect">
+            <a:avLst/>
+          </a:prstGeom>
+          <a:noFill/>
+          <a:ln w="12700">
+            <a:solidFill>
+              <a:prstClr val="black"/>
+            </a:solidFill>
+          </a:ln>
+        </p:spPr>
+        <p:txBody>
+          <a:bodyPr vert="horz" lIns="91440" tIns="45720" rIns="91440" bIns="45720" rtlCol="0" anchor="ctr"/>
+          <a:lstStyle/>
+          <a:p>
+            <a:endParaRPr lang="ru-RU"/>
+          </a:p>
+        </p:txBody>
+      </p:sp>
+      <p:sp>
+        <p:nvSpPr>
+          <p:cNvPr id="5" name="Заметки 4"/>
+          <p:cNvSpPr>
+            <a:spLocks noGrp="1"/>
+          </p:cNvSpPr>
+          <p:nvPr>
+            <p:ph type="body" sz="quarter" idx="3"/>
+          </p:nvPr>
+        </p:nvSpPr>
+        <p:spPr>
+          <a:xfrm>
+            <a:off x="685800" y="4400550"/>
+            <a:ext cx="5486400" cy="3600450"/>
+          </a:xfrm>
+          <a:prstGeom prst="rect">
+            <a:avLst/>
+          </a:prstGeom>
+        </p:spPr>
+        <p:txBody>
+          <a:bodyPr vert="horz" lIns="91440" tIns="45720" rIns="91440" bIns="45720" rtlCol="0"/>
+          <a:lstStyle/>
+          <a:p>
+            <a:pPr lvl="0"/>
+            <a:r>
+              <a:rPr lang="ru-RU" smtClean="0"/>
+              <a:t>Образец текста</a:t>
+            </a:r>
+          </a:p>
+          <a:p>
+            <a:pPr lvl="1"/>
+            <a:r>
+              <a:rPr lang="ru-RU" smtClean="0"/>
+              <a:t>Второй уровень</a:t>
+            </a:r>
+          </a:p>
+          <a:p>
+            <a:pPr lvl="2"/>
+            <a:r>
+              <a:rPr lang="ru-RU" smtClean="0"/>
+              <a:t>Третий уровень</a:t>
+            </a:r>
+          </a:p>
+          <a:p>
+            <a:pPr lvl="3"/>
+            <a:r>
+              <a:rPr lang="ru-RU" smtClean="0"/>
+              <a:t>Четвертый уровень</a:t>
+            </a:r>
+          </a:p>
+          <a:p>
+            <a:pPr lvl="4"/>
+            <a:r>
+              <a:rPr lang="ru-RU" smtClean="0"/>
+              <a:t>Пятый уровень</a:t>
+            </a:r>
+            <a:endParaRPr lang="ru-RU"/>
+          </a:p>
+        </p:txBody>
+      </p:sp>
+      <p:sp>
+        <p:nvSpPr>
+          <p:cNvPr id="6" name="Нижний колонтитул 5"/>
+          <p:cNvSpPr>
+            <a:spLocks noGrp="1"/>
+          </p:cNvSpPr>
+          <p:nvPr>
+            <p:ph type="ftr" sz="quarter" idx="4"/>
+          </p:nvPr>
+        </p:nvSpPr>
+        <p:spPr>
+          <a:xfrm>
+            <a:off x="0" y="8685213"/>
+            <a:ext cx="2971800" cy="458787"/>
+          </a:xfrm>
+          <a:prstGeom prst="rect">
+            <a:avLst/>
+          </a:prstGeom>
+        </p:spPr>
+        <p:txBody>
+          <a:bodyPr vert="horz" lIns="91440" tIns="45720" rIns="91440" bIns="45720" rtlCol="0" anchor="b"/>
+          <a:lstStyle>
+            <a:lvl1pPr algn="l">
+              <a:defRPr sz="1200"/>
+            </a:lvl1pPr>
+          </a:lstStyle>
+          <a:p>
+            <a:endParaRPr lang="ru-RU"/>
+          </a:p>
+        </p:txBody>
+      </p:sp>
+      <p:sp>
+        <p:nvSpPr>
+          <p:cNvPr id="7" name="Номер слайда 6"/>
+          <p:cNvSpPr>
+            <a:spLocks noGrp="1"/>
+          </p:cNvSpPr>
+          <p:nvPr>
+            <p:ph type="sldNum" sz="quarter" idx="5"/>
+          </p:nvPr>
+        </p:nvSpPr>
+        <p:spPr>
+          <a:xfrm>
+            <a:off x="3884613" y="8685213"/>
+            <a:ext cx="2971800" cy="458787"/>
+          </a:xfrm>
+          <a:prstGeom prst="rect">
+            <a:avLst/>
+          </a:prstGeom>
+        </p:spPr>
+        <p:txBody>
+          <a:bodyPr vert="horz" lIns="91440" tIns="45720" rIns="91440" bIns="45720" rtlCol="0" anchor="b"/>
+          <a:lstStyle>
+            <a:lvl1pPr algn="r">
+              <a:defRPr sz="1200"/>
+            </a:lvl1pPr>
+          </a:lstStyle>
+          <a:p>
+            <a:fld id="{E89659B6-C8D3-4C4C-BF4A-2F0D6EE21DB2}" type="slidenum">
+              <a:rPr lang="ru-RU" smtClean="0"/>
+              <a:t>‹#›</a:t>
+            </a:fld>
+            <a:endParaRPr lang="ru-RU"/>
+          </a:p>
+        </p:txBody>
+      </p:sp>
+    </p:spTree>
+    <p:extLst>
+      <p:ext uri="{BB962C8B-B14F-4D97-AF65-F5344CB8AC3E}">
+        <p14:creationId xmlns:p14="http://schemas.microsoft.com/office/powerpoint/2010/main" val="2509269644"/>
+      </p:ext>
+    </p:extLst>
+  </p:cSld>
+  <p:clrMap bg1="lt1" tx1="dk1" bg2="lt2" tx2="dk2" accent1="accent1" accent2="accent2" accent3="accent3" accent4="accent4" accent5="accent5" accent6="accent6" hlink="hlink" folHlink="folHlink"/>
+  <p:notesStyle>
+    <a:lvl1pPr marL="0" algn="l" defTabSz="914400" rtl="0" eaLnBrk="1" latinLnBrk="0" hangingPunct="1">
+      <a:defRPr sz="1200" kern="1200">
+        <a:solidFill>
+          <a:schemeClr val="tx1"/>
+        </a:solidFill>
+        <a:latin typeface="+mn-lt"/>
+        <a:ea typeface="+mn-ea"/>
+        <a:cs typeface="+mn-cs"/>
+      </a:defRPr>
+    </a:lvl1pPr>
+    <a:lvl2pPr marL="457200" algn="l" defTabSz="914400" rtl="0" eaLnBrk="1" latinLnBrk="0" hangingPunct="1">
+      <a:defRPr sz="1200" kern="1200">
+        <a:solidFill>
+          <a:schemeClr val="tx1"/>
+        </a:solidFill>
+        <a:latin typeface="+mn-lt"/>
+        <a:ea typeface="+mn-ea"/>
+        <a:cs typeface="+mn-cs"/>
+      </a:defRPr>
+    </a:lvl2pPr>
+    <a:lvl3pPr marL="914400" algn="l" defTabSz="914400" rtl="0" eaLnBrk="1" latinLnBrk="0" hangingPunct="1">
+      <a:defRPr sz="1200" kern="1200">
+        <a:solidFill>
+          <a:schemeClr val="tx1"/>
+        </a:solidFill>
+        <a:latin typeface="+mn-lt"/>
+        <a:ea typeface="+mn-ea"/>
+        <a:cs typeface="+mn-cs"/>
+      </a:defRPr>
+    </a:lvl3pPr>
+    <a:lvl4pPr marL="1371600" algn="l" defTabSz="914400" rtl="0" eaLnBrk="1" latinLnBrk="0" hangingPunct="1">
+      <a:defRPr sz="1200" kern="1200">
+        <a:solidFill>
+          <a:schemeClr val="tx1"/>
+        </a:solidFill>
+        <a:latin typeface="+mn-lt"/>
+        <a:ea typeface="+mn-ea"/>
+        <a:cs typeface="+mn-cs"/>
+      </a:defRPr>
+    </a:lvl4pPr>
+    <a:lvl5pPr marL="1828800" algn="l" defTabSz="914400" rtl="0" eaLnBrk="1" latinLnBrk="0" hangingPunct="1">
+      <a:defRPr sz="1200" kern="1200">
+        <a:solidFill>
+          <a:schemeClr val="tx1"/>
+        </a:solidFill>
+        <a:latin typeface="+mn-lt"/>
+        <a:ea typeface="+mn-ea"/>
+        <a:cs typeface="+mn-cs"/>
+      </a:defRPr>
+    </a:lvl5pPr>
+    <a:lvl6pPr marL="2286000" algn="l" defTabSz="914400" rtl="0" eaLnBrk="1" latinLnBrk="0" hangingPunct="1">
+      <a:defRPr sz="1200" kern="1200">
+        <a:solidFill>
+          <a:schemeClr val="tx1"/>
+        </a:solidFill>
+        <a:latin typeface="+mn-lt"/>
+        <a:ea typeface="+mn-ea"/>
+        <a:cs typeface="+mn-cs"/>
+      </a:defRPr>
+    </a:lvl6pPr>
+    <a:lvl7pPr marL="2743200" algn="l" defTabSz="914400" rtl="0" eaLnBrk="1" latinLnBrk="0" hangingPunct="1">
+      <a:defRPr sz="1200" kern="1200">
+        <a:solidFill>
+          <a:schemeClr val="tx1"/>
+        </a:solidFill>
+        <a:latin typeface="+mn-lt"/>
+        <a:ea typeface="+mn-ea"/>
+        <a:cs typeface="+mn-cs"/>
+      </a:defRPr>
+    </a:lvl7pPr>
+    <a:lvl8pPr marL="3200400" algn="l" defTabSz="914400" rtl="0" eaLnBrk="1" latinLnBrk="0" hangingPunct="1">
+      <a:defRPr sz="1200" kern="1200">
+        <a:solidFill>
+          <a:schemeClr val="tx1"/>
+        </a:solidFill>
+        <a:latin typeface="+mn-lt"/>
+        <a:ea typeface="+mn-ea"/>
+        <a:cs typeface="+mn-cs"/>
+      </a:defRPr>
+    </a:lvl8pPr>
+    <a:lvl9pPr marL="3657600" algn="l" defTabSz="914400" rtl="0" eaLnBrk="1" latinLnBrk="0" hangingPunct="1">
+      <a:defRPr sz="1200" kern="1200">
+        <a:solidFill>
+          <a:schemeClr val="tx1"/>
+        </a:solidFill>
+        <a:latin typeface="+mn-lt"/>
+        <a:ea typeface="+mn-ea"/>
+        <a:cs typeface="+mn-cs"/>
+      </a:defRPr>
+    </a:lvl9pPr>
+  </p:notesStyle>
+</p:notesMaster>
+</file>
+
+<file path=ppt/notesSlides/notesSlide1.xml><?xml version="1.0" encoding="utf-8"?>
+<p:notes xmlns:a="http://schemas.openxmlformats.org/drawingml/2006/main" xmlns:r="http://schemas.openxmlformats.org/officeDocument/2006/relationships" xmlns:p="http://schemas.openxmlformats.org/presentationml/2006/main">
+  <p:cSld>
+    <p:spTree>
+      <p:nvGrpSpPr>
+        <p:cNvPr id="1" name=""/>
+        <p:cNvGrpSpPr/>
+        <p:nvPr/>
+      </p:nvGrpSpPr>
+      <p:grpSpPr>
+        <a:xfrm>
+          <a:off x="0" y="0"/>
+          <a:ext cx="0" cy="0"/>
+          <a:chOff x="0" y="0"/>
+          <a:chExt cx="0" cy="0"/>
+        </a:xfrm>
+      </p:grpSpPr>
+      <p:sp>
+        <p:nvSpPr>
+          <p:cNvPr id="2" name="Образ слайда 1"/>
+          <p:cNvSpPr>
+            <a:spLocks noGrp="1" noRot="1" noChangeAspect="1"/>
+          </p:cNvSpPr>
+          <p:nvPr>
+            <p:ph type="sldImg"/>
+          </p:nvPr>
+        </p:nvSpPr>
+        <p:spPr/>
+      </p:sp>
+      <p:sp>
+        <p:nvSpPr>
+          <p:cNvPr id="3" name="Заметки 2"/>
+          <p:cNvSpPr>
+            <a:spLocks noGrp="1"/>
+          </p:cNvSpPr>
+          <p:nvPr>
+            <p:ph type="body" idx="1"/>
+          </p:nvPr>
+        </p:nvSpPr>
+        <p:spPr/>
+        <p:txBody>
+          <a:bodyPr/>
+          <a:lstStyle/>
+          <a:p>
+            <a:endParaRPr lang="ru-RU" dirty="0"/>
+          </a:p>
+        </p:txBody>
+      </p:sp>
+      <p:sp>
+        <p:nvSpPr>
+          <p:cNvPr id="4" name="Номер слайда 3"/>
+          <p:cNvSpPr>
+            <a:spLocks noGrp="1"/>
+          </p:cNvSpPr>
+          <p:nvPr>
+            <p:ph type="sldNum" sz="quarter" idx="10"/>
+          </p:nvPr>
+        </p:nvSpPr>
+        <p:spPr/>
+        <p:txBody>
+          <a:bodyPr/>
+          <a:lstStyle/>
+          <a:p>
+            <a:fld id="{E89659B6-C8D3-4C4C-BF4A-2F0D6EE21DB2}" type="slidenum">
+              <a:rPr lang="ru-RU" smtClean="0"/>
+              <a:t>2</a:t>
+            </a:fld>
+            <a:endParaRPr lang="ru-RU"/>
+          </a:p>
+        </p:txBody>
+      </p:sp>
+    </p:spTree>
+    <p:extLst>
+      <p:ext uri="{BB962C8B-B14F-4D97-AF65-F5344CB8AC3E}">
+        <p14:creationId xmlns:p14="http://schemas.microsoft.com/office/powerpoint/2010/main" val="2545758288"/>
+      </p:ext>
+    </p:extLst>
+  </p:cSld>
+  <p:clrMapOvr>
+    <a:masterClrMapping/>
+  </p:clrMapOvr>
+</p:notes>
+</file>
+
+<file path=ppt/notesSlides/notesSlide2.xml><?xml version="1.0" encoding="utf-8"?>
+<p:notes xmlns:a="http://schemas.openxmlformats.org/drawingml/2006/main" xmlns:r="http://schemas.openxmlformats.org/officeDocument/2006/relationships" xmlns:p="http://schemas.openxmlformats.org/presentationml/2006/main">
+  <p:cSld>
+    <p:spTree>
+      <p:nvGrpSpPr>
+        <p:cNvPr id="1" name=""/>
+        <p:cNvGrpSpPr/>
+        <p:nvPr/>
+      </p:nvGrpSpPr>
+      <p:grpSpPr>
+        <a:xfrm>
+          <a:off x="0" y="0"/>
+          <a:ext cx="0" cy="0"/>
+          <a:chOff x="0" y="0"/>
+          <a:chExt cx="0" cy="0"/>
+        </a:xfrm>
+      </p:grpSpPr>
+      <p:sp>
+        <p:nvSpPr>
+          <p:cNvPr id="2" name="Образ слайда 1"/>
+          <p:cNvSpPr>
+            <a:spLocks noGrp="1" noRot="1" noChangeAspect="1"/>
+          </p:cNvSpPr>
+          <p:nvPr>
+            <p:ph type="sldImg"/>
+          </p:nvPr>
+        </p:nvSpPr>
+        <p:spPr/>
+      </p:sp>
+      <p:sp>
+        <p:nvSpPr>
+          <p:cNvPr id="3" name="Заметки 2"/>
+          <p:cNvSpPr>
+            <a:spLocks noGrp="1"/>
+          </p:cNvSpPr>
+          <p:nvPr>
+            <p:ph type="body" idx="1"/>
+          </p:nvPr>
+        </p:nvSpPr>
+        <p:spPr/>
+        <p:txBody>
+          <a:bodyPr/>
+          <a:lstStyle/>
+          <a:p>
+            <a:endParaRPr lang="ru-RU" dirty="0"/>
+          </a:p>
+        </p:txBody>
+      </p:sp>
+      <p:sp>
+        <p:nvSpPr>
+          <p:cNvPr id="4" name="Номер слайда 3"/>
+          <p:cNvSpPr>
+            <a:spLocks noGrp="1"/>
+          </p:cNvSpPr>
+          <p:nvPr>
+            <p:ph type="sldNum" sz="quarter" idx="10"/>
+          </p:nvPr>
+        </p:nvSpPr>
+        <p:spPr/>
+        <p:txBody>
+          <a:bodyPr/>
+          <a:lstStyle/>
+          <a:p>
+            <a:fld id="{E89659B6-C8D3-4C4C-BF4A-2F0D6EE21DB2}" type="slidenum">
+              <a:rPr lang="ru-RU" smtClean="0"/>
+              <a:t>3</a:t>
+            </a:fld>
+            <a:endParaRPr lang="ru-RU"/>
+          </a:p>
+        </p:txBody>
+      </p:sp>
+    </p:spTree>
+    <p:extLst>
+      <p:ext uri="{BB962C8B-B14F-4D97-AF65-F5344CB8AC3E}">
+        <p14:creationId xmlns:p14="http://schemas.microsoft.com/office/powerpoint/2010/main" val="1115318902"/>
+      </p:ext>
+    </p:extLst>
+  </p:cSld>
+  <p:clrMapOvr>
+    <a:masterClrMapping/>
+  </p:clrMapOvr>
+</p:notes>
+</file>
+
 <file path=ppt/slideLayouts/slideLayout1.xml><?xml version="1.0" encoding="utf-8"?>
 <p:sldLayout xmlns:a="http://schemas.openxmlformats.org/drawingml/2006/main" xmlns:r="http://schemas.openxmlformats.org/officeDocument/2006/relationships" xmlns:p="http://schemas.openxmlformats.org/presentationml/2006/main" type="title" preserve="1">
   <p:cSld name="Титульный слайд">
@@ -283,7 +805,7 @@
           <a:p>
             <a:fld id="{0CDA1E68-40A6-4E58-9DEF-71ADA3A4EFEC}" type="datetimeFigureOut">
               <a:rPr lang="ru-RU" smtClean="0"/>
-              <a:t>19.04.2018</a:t>
+              <a:t>12.05.2018</a:t>
             </a:fld>
             <a:endParaRPr lang="ru-RU"/>
           </a:p>
@@ -453,7 +975,7 @@
           <a:p>
             <a:fld id="{0CDA1E68-40A6-4E58-9DEF-71ADA3A4EFEC}" type="datetimeFigureOut">
               <a:rPr lang="ru-RU" smtClean="0"/>
-              <a:t>19.04.2018</a:t>
+              <a:t>12.05.2018</a:t>
             </a:fld>
             <a:endParaRPr lang="ru-RU"/>
           </a:p>
@@ -633,7 +1155,7 @@
           <a:p>
             <a:fld id="{0CDA1E68-40A6-4E58-9DEF-71ADA3A4EFEC}" type="datetimeFigureOut">
               <a:rPr lang="ru-RU" smtClean="0"/>
-              <a:t>19.04.2018</a:t>
+              <a:t>12.05.2018</a:t>
             </a:fld>
             <a:endParaRPr lang="ru-RU"/>
           </a:p>
@@ -803,7 +1325,7 @@
           <a:p>
             <a:fld id="{0CDA1E68-40A6-4E58-9DEF-71ADA3A4EFEC}" type="datetimeFigureOut">
               <a:rPr lang="ru-RU" smtClean="0"/>
-              <a:t>19.04.2018</a:t>
+              <a:t>12.05.2018</a:t>
             </a:fld>
             <a:endParaRPr lang="ru-RU"/>
           </a:p>
@@ -1071,7 +1593,7 @@
           <a:p>
             <a:fld id="{0CDA1E68-40A6-4E58-9DEF-71ADA3A4EFEC}" type="datetimeFigureOut">
               <a:rPr lang="ru-RU" smtClean="0"/>
-              <a:t>19.04.2018</a:t>
+              <a:t>12.05.2018</a:t>
             </a:fld>
             <a:endParaRPr lang="ru-RU"/>
           </a:p>
@@ -1303,7 +1825,7 @@
           <a:p>
             <a:fld id="{0CDA1E68-40A6-4E58-9DEF-71ADA3A4EFEC}" type="datetimeFigureOut">
               <a:rPr lang="ru-RU" smtClean="0"/>
-              <a:t>19.04.2018</a:t>
+              <a:t>12.05.2018</a:t>
             </a:fld>
             <a:endParaRPr lang="ru-RU"/>
           </a:p>
@@ -1662,7 +2184,7 @@
           <a:p>
             <a:fld id="{0CDA1E68-40A6-4E58-9DEF-71ADA3A4EFEC}" type="datetimeFigureOut">
               <a:rPr lang="ru-RU" smtClean="0"/>
-              <a:t>19.04.2018</a:t>
+              <a:t>12.05.2018</a:t>
             </a:fld>
             <a:endParaRPr lang="ru-RU"/>
           </a:p>
@@ -1803,7 +2325,7 @@
           <a:p>
             <a:fld id="{0CDA1E68-40A6-4E58-9DEF-71ADA3A4EFEC}" type="datetimeFigureOut">
               <a:rPr lang="ru-RU" smtClean="0"/>
-              <a:t>19.04.2018</a:t>
+              <a:t>12.05.2018</a:t>
             </a:fld>
             <a:endParaRPr lang="ru-RU"/>
           </a:p>
@@ -1898,7 +2420,7 @@
           <a:p>
             <a:fld id="{0CDA1E68-40A6-4E58-9DEF-71ADA3A4EFEC}" type="datetimeFigureOut">
               <a:rPr lang="ru-RU" smtClean="0"/>
-              <a:t>19.04.2018</a:t>
+              <a:t>12.05.2018</a:t>
             </a:fld>
             <a:endParaRPr lang="ru-RU"/>
           </a:p>
@@ -2255,7 +2777,7 @@
           <a:p>
             <a:fld id="{0CDA1E68-40A6-4E58-9DEF-71ADA3A4EFEC}" type="datetimeFigureOut">
               <a:rPr lang="ru-RU" smtClean="0"/>
-              <a:t>19.04.2018</a:t>
+              <a:t>12.05.2018</a:t>
             </a:fld>
             <a:endParaRPr lang="ru-RU"/>
           </a:p>
@@ -2612,7 +3134,7 @@
           <a:p>
             <a:fld id="{0CDA1E68-40A6-4E58-9DEF-71ADA3A4EFEC}" type="datetimeFigureOut">
               <a:rPr lang="ru-RU" smtClean="0"/>
-              <a:t>19.04.2018</a:t>
+              <a:t>12.05.2018</a:t>
             </a:fld>
             <a:endParaRPr lang="ru-RU"/>
           </a:p>
@@ -2853,7 +3375,7 @@
           <a:p>
             <a:fld id="{0CDA1E68-40A6-4E58-9DEF-71ADA3A4EFEC}" type="datetimeFigureOut">
               <a:rPr lang="ru-RU" smtClean="0"/>
-              <a:t>19.04.2018</a:t>
+              <a:t>12.05.2018</a:t>
             </a:fld>
             <a:endParaRPr lang="ru-RU"/>
           </a:p>
@@ -3481,6 +4003,192 @@
 </p:sld>
 </file>
 
+<file path=ppt/slides/slide10.xml><?xml version="1.0" encoding="utf-8"?>
+<p:sld xmlns:a="http://schemas.openxmlformats.org/drawingml/2006/main" xmlns:r="http://schemas.openxmlformats.org/officeDocument/2006/relationships" xmlns:p="http://schemas.openxmlformats.org/presentationml/2006/main">
+  <p:cSld>
+    <p:spTree>
+      <p:nvGrpSpPr>
+        <p:cNvPr id="1" name=""/>
+        <p:cNvGrpSpPr/>
+        <p:nvPr/>
+      </p:nvGrpSpPr>
+      <p:grpSpPr>
+        <a:xfrm>
+          <a:off x="0" y="0"/>
+          <a:ext cx="0" cy="0"/>
+          <a:chOff x="0" y="0"/>
+          <a:chExt cx="0" cy="0"/>
+        </a:xfrm>
+      </p:grpSpPr>
+      <p:grpSp>
+        <p:nvGrpSpPr>
+          <p:cNvPr id="12" name="Группа 11"/>
+          <p:cNvGrpSpPr/>
+          <p:nvPr/>
+        </p:nvGrpSpPr>
+        <p:grpSpPr>
+          <a:xfrm>
+            <a:off x="0" y="0"/>
+            <a:ext cx="12192000" cy="6839159"/>
+            <a:chOff x="0" y="0"/>
+            <a:chExt cx="12192000" cy="6839159"/>
+          </a:xfrm>
+        </p:grpSpPr>
+        <p:sp>
+          <p:nvSpPr>
+            <p:cNvPr id="10" name="Прямоугольник 9"/>
+            <p:cNvSpPr/>
+            <p:nvPr/>
+          </p:nvSpPr>
+          <p:spPr>
+            <a:xfrm>
+              <a:off x="0" y="0"/>
+              <a:ext cx="12192000" cy="6839159"/>
+            </a:xfrm>
+            <a:prstGeom prst="rect">
+              <a:avLst/>
+            </a:prstGeom>
+          </p:spPr>
+          <p:style>
+            <a:lnRef idx="2">
+              <a:schemeClr val="accent2">
+                <a:shade val="50000"/>
+              </a:schemeClr>
+            </a:lnRef>
+            <a:fillRef idx="1">
+              <a:schemeClr val="accent2"/>
+            </a:fillRef>
+            <a:effectRef idx="0">
+              <a:schemeClr val="accent2"/>
+            </a:effectRef>
+            <a:fontRef idx="minor">
+              <a:schemeClr val="lt1"/>
+            </a:fontRef>
+          </p:style>
+          <p:txBody>
+            <a:bodyPr rtlCol="0" anchor="ctr"/>
+            <a:lstStyle/>
+            <a:p>
+              <a:pPr algn="ctr"/>
+              <a:endParaRPr lang="ru-RU"/>
+            </a:p>
+          </p:txBody>
+        </p:sp>
+        <p:sp>
+          <p:nvSpPr>
+            <p:cNvPr id="11" name="Скругленный прямоугольник 10"/>
+            <p:cNvSpPr/>
+            <p:nvPr/>
+          </p:nvSpPr>
+          <p:spPr>
+            <a:xfrm>
+              <a:off x="224118" y="206187"/>
+              <a:ext cx="11733420" cy="6481197"/>
+            </a:xfrm>
+            <a:prstGeom prst="roundRect">
+              <a:avLst>
+                <a:gd name="adj" fmla="val 4854"/>
+              </a:avLst>
+            </a:prstGeom>
+            <a:solidFill>
+              <a:schemeClr val="bg1"/>
+            </a:solidFill>
+            <a:ln>
+              <a:solidFill>
+                <a:schemeClr val="tx2"/>
+              </a:solidFill>
+            </a:ln>
+          </p:spPr>
+          <p:style>
+            <a:lnRef idx="2">
+              <a:schemeClr val="accent1">
+                <a:shade val="50000"/>
+              </a:schemeClr>
+            </a:lnRef>
+            <a:fillRef idx="1">
+              <a:schemeClr val="accent1"/>
+            </a:fillRef>
+            <a:effectRef idx="0">
+              <a:schemeClr val="accent1"/>
+            </a:effectRef>
+            <a:fontRef idx="minor">
+              <a:schemeClr val="lt1"/>
+            </a:fontRef>
+          </p:style>
+          <p:txBody>
+            <a:bodyPr rtlCol="0" anchor="ctr"/>
+            <a:lstStyle/>
+            <a:p>
+              <a:pPr algn="ctr"/>
+              <a:endParaRPr lang="ru-RU"/>
+            </a:p>
+          </p:txBody>
+        </p:sp>
+      </p:grpSp>
+      <p:sp>
+        <p:nvSpPr>
+          <p:cNvPr id="3" name="Прямоугольник 2"/>
+          <p:cNvSpPr/>
+          <p:nvPr/>
+        </p:nvSpPr>
+        <p:spPr>
+          <a:xfrm>
+            <a:off x="868887" y="2834105"/>
+            <a:ext cx="10443882" cy="843436"/>
+          </a:xfrm>
+          <a:prstGeom prst="rect">
+            <a:avLst/>
+          </a:prstGeom>
+        </p:spPr>
+        <p:txBody>
+          <a:bodyPr wrap="square">
+            <a:spAutoFit/>
+          </a:bodyPr>
+          <a:lstStyle/>
+          <a:p>
+            <a:pPr algn="ctr">
+              <a:lnSpc>
+                <a:spcPct val="107000"/>
+              </a:lnSpc>
+              <a:spcAft>
+                <a:spcPts val="800"/>
+              </a:spcAft>
+            </a:pPr>
+            <a:r>
+              <a:rPr lang="ru-RU" sz="4800" i="1" dirty="0" smtClean="0">
+                <a:latin typeface="Consolas" panose="020B0609020204030204" pitchFamily="49" charset="0"/>
+              </a:rPr>
+              <a:t>Спасибо за внимание!</a:t>
+            </a:r>
+            <a:endParaRPr lang="ru-RU" sz="4000" dirty="0">
+              <a:effectLst/>
+              <a:latin typeface="Consolas" panose="020B0609020204030204" pitchFamily="49" charset="0"/>
+              <a:ea typeface="Calibri" panose="020F0502020204030204" pitchFamily="34" charset="0"/>
+              <a:cs typeface="Times New Roman" panose="02020603050405020304" pitchFamily="18" charset="0"/>
+            </a:endParaRPr>
+          </a:p>
+        </p:txBody>
+      </p:sp>
+    </p:spTree>
+    <p:extLst>
+      <p:ext uri="{BB962C8B-B14F-4D97-AF65-F5344CB8AC3E}">
+        <p14:creationId xmlns:p14="http://schemas.microsoft.com/office/powerpoint/2010/main" val="2640063360"/>
+      </p:ext>
+    </p:extLst>
+  </p:cSld>
+  <p:clrMapOvr>
+    <a:masterClrMapping/>
+  </p:clrMapOvr>
+  <p:timing>
+    <p:tnLst>
+      <p:par>
+        <p:cTn id="1" dur="indefinite" restart="never" nodeType="tmRoot"/>
+      </p:par>
+    </p:tnLst>
+  </p:timing>
+</p:sld>
+</file>
+
 <file path=ppt/slides/slide2.xml><?xml version="1.0" encoding="utf-8"?>
 <p:sld xmlns:a="http://schemas.openxmlformats.org/drawingml/2006/main" xmlns:r="http://schemas.openxmlformats.org/officeDocument/2006/relationships" xmlns:p="http://schemas.openxmlformats.org/presentationml/2006/main">
   <p:cSld>
@@ -3674,21 +4382,21 @@
       </p:sp>
       <p:pic>
         <p:nvPicPr>
-          <p:cNvPr id="2" name="Рисунок 1"/>
+          <p:cNvPr id="3" name="Рисунок 2"/>
           <p:cNvPicPr>
             <a:picLocks noChangeAspect="1"/>
           </p:cNvPicPr>
           <p:nvPr/>
         </p:nvPicPr>
         <p:blipFill rotWithShape="1">
-          <a:blip r:embed="rId2"/>
-          <a:srcRect l="47677" t="22413" r="31363" b="17636"/>
+          <a:blip r:embed="rId3"/>
+          <a:srcRect l="47687" t="23333" r="27734" b="21656"/>
           <a:stretch/>
         </p:blipFill>
         <p:spPr>
           <a:xfrm>
-            <a:off x="7099661" y="427020"/>
-            <a:ext cx="3833091" cy="6167212"/>
+            <a:off x="6861339" y="539177"/>
+            <a:ext cx="4495117" cy="5659017"/>
           </a:xfrm>
           <a:prstGeom prst="rect">
             <a:avLst/>
@@ -3716,6 +4424,171 @@
 </file>
 
 <file path=ppt/slides/slide3.xml><?xml version="1.0" encoding="utf-8"?>
+<p:sld xmlns:a="http://schemas.openxmlformats.org/drawingml/2006/main" xmlns:r="http://schemas.openxmlformats.org/officeDocument/2006/relationships" xmlns:p="http://schemas.openxmlformats.org/presentationml/2006/main">
+  <p:cSld>
+    <p:spTree>
+      <p:nvGrpSpPr>
+        <p:cNvPr id="1" name=""/>
+        <p:cNvGrpSpPr/>
+        <p:nvPr/>
+      </p:nvGrpSpPr>
+      <p:grpSpPr>
+        <a:xfrm>
+          <a:off x="0" y="0"/>
+          <a:ext cx="0" cy="0"/>
+          <a:chOff x="0" y="0"/>
+          <a:chExt cx="0" cy="0"/>
+        </a:xfrm>
+      </p:grpSpPr>
+      <p:grpSp>
+        <p:nvGrpSpPr>
+          <p:cNvPr id="12" name="Группа 11"/>
+          <p:cNvGrpSpPr/>
+          <p:nvPr/>
+        </p:nvGrpSpPr>
+        <p:grpSpPr>
+          <a:xfrm>
+            <a:off x="0" y="-82296"/>
+            <a:ext cx="12192000" cy="6839159"/>
+            <a:chOff x="0" y="0"/>
+            <a:chExt cx="12192000" cy="6839159"/>
+          </a:xfrm>
+        </p:grpSpPr>
+        <p:sp>
+          <p:nvSpPr>
+            <p:cNvPr id="10" name="Прямоугольник 9"/>
+            <p:cNvSpPr/>
+            <p:nvPr/>
+          </p:nvSpPr>
+          <p:spPr>
+            <a:xfrm>
+              <a:off x="0" y="0"/>
+              <a:ext cx="12192000" cy="6839159"/>
+            </a:xfrm>
+            <a:prstGeom prst="rect">
+              <a:avLst/>
+            </a:prstGeom>
+          </p:spPr>
+          <p:style>
+            <a:lnRef idx="2">
+              <a:schemeClr val="accent2">
+                <a:shade val="50000"/>
+              </a:schemeClr>
+            </a:lnRef>
+            <a:fillRef idx="1">
+              <a:schemeClr val="accent2"/>
+            </a:fillRef>
+            <a:effectRef idx="0">
+              <a:schemeClr val="accent2"/>
+            </a:effectRef>
+            <a:fontRef idx="minor">
+              <a:schemeClr val="lt1"/>
+            </a:fontRef>
+          </p:style>
+          <p:txBody>
+            <a:bodyPr rtlCol="0" anchor="ctr"/>
+            <a:lstStyle/>
+            <a:p>
+              <a:pPr algn="ctr"/>
+              <a:endParaRPr lang="ru-RU"/>
+            </a:p>
+          </p:txBody>
+        </p:sp>
+        <p:sp>
+          <p:nvSpPr>
+            <p:cNvPr id="11" name="Скругленный прямоугольник 10"/>
+            <p:cNvSpPr/>
+            <p:nvPr/>
+          </p:nvSpPr>
+          <p:spPr>
+            <a:xfrm>
+              <a:off x="237392" y="307732"/>
+              <a:ext cx="11720146" cy="6286500"/>
+            </a:xfrm>
+            <a:prstGeom prst="roundRect">
+              <a:avLst>
+                <a:gd name="adj" fmla="val 4854"/>
+              </a:avLst>
+            </a:prstGeom>
+            <a:solidFill>
+              <a:schemeClr val="bg1"/>
+            </a:solidFill>
+            <a:ln>
+              <a:solidFill>
+                <a:schemeClr val="tx2"/>
+              </a:solidFill>
+            </a:ln>
+          </p:spPr>
+          <p:style>
+            <a:lnRef idx="2">
+              <a:schemeClr val="accent1">
+                <a:shade val="50000"/>
+              </a:schemeClr>
+            </a:lnRef>
+            <a:fillRef idx="1">
+              <a:schemeClr val="accent1"/>
+            </a:fillRef>
+            <a:effectRef idx="0">
+              <a:schemeClr val="accent1"/>
+            </a:effectRef>
+            <a:fontRef idx="minor">
+              <a:schemeClr val="lt1"/>
+            </a:fontRef>
+          </p:style>
+          <p:txBody>
+            <a:bodyPr rtlCol="0" anchor="ctr"/>
+            <a:lstStyle/>
+            <a:p>
+              <a:pPr algn="ctr"/>
+              <a:endParaRPr lang="ru-RU"/>
+            </a:p>
+          </p:txBody>
+        </p:sp>
+      </p:grpSp>
+      <p:pic>
+        <p:nvPicPr>
+          <p:cNvPr id="4" name="Рисунок 3"/>
+          <p:cNvPicPr>
+            <a:picLocks noChangeAspect="1"/>
+          </p:cNvPicPr>
+          <p:nvPr/>
+        </p:nvPicPr>
+        <p:blipFill rotWithShape="1">
+          <a:blip r:embed="rId3"/>
+          <a:srcRect l="47634" t="34172" r="27883" b="34353"/>
+          <a:stretch/>
+        </p:blipFill>
+        <p:spPr>
+          <a:xfrm>
+            <a:off x="3536799" y="1480678"/>
+            <a:ext cx="5104281" cy="3705408"/>
+          </a:xfrm>
+          <a:prstGeom prst="rect">
+            <a:avLst/>
+          </a:prstGeom>
+        </p:spPr>
+      </p:pic>
+    </p:spTree>
+    <p:extLst>
+      <p:ext uri="{BB962C8B-B14F-4D97-AF65-F5344CB8AC3E}">
+        <p14:creationId xmlns:p14="http://schemas.microsoft.com/office/powerpoint/2010/main" val="1311125351"/>
+      </p:ext>
+    </p:extLst>
+  </p:cSld>
+  <p:clrMapOvr>
+    <a:masterClrMapping/>
+  </p:clrMapOvr>
+  <p:timing>
+    <p:tnLst>
+      <p:par>
+        <p:cTn id="1" dur="indefinite" restart="never" nodeType="tmRoot"/>
+      </p:par>
+    </p:tnLst>
+  </p:timing>
+</p:sld>
+</file>
+
+<file path=ppt/slides/slide4.xml><?xml version="1.0" encoding="utf-8"?>
 <p:sld xmlns:a="http://schemas.openxmlformats.org/drawingml/2006/main" xmlns:r="http://schemas.openxmlformats.org/officeDocument/2006/relationships" xmlns:p="http://schemas.openxmlformats.org/presentationml/2006/main">
   <p:cSld>
     <p:spTree>
@@ -4261,378 +5134,6 @@
 </p:sld>
 </file>
 
-<file path=ppt/slides/slide4.xml><?xml version="1.0" encoding="utf-8"?>
-<p:sld xmlns:a="http://schemas.openxmlformats.org/drawingml/2006/main" xmlns:r="http://schemas.openxmlformats.org/officeDocument/2006/relationships" xmlns:p="http://schemas.openxmlformats.org/presentationml/2006/main">
-  <p:cSld>
-    <p:spTree>
-      <p:nvGrpSpPr>
-        <p:cNvPr id="1" name=""/>
-        <p:cNvGrpSpPr/>
-        <p:nvPr/>
-      </p:nvGrpSpPr>
-      <p:grpSpPr>
-        <a:xfrm>
-          <a:off x="0" y="0"/>
-          <a:ext cx="0" cy="0"/>
-          <a:chOff x="0" y="0"/>
-          <a:chExt cx="0" cy="0"/>
-        </a:xfrm>
-      </p:grpSpPr>
-      <p:grpSp>
-        <p:nvGrpSpPr>
-          <p:cNvPr id="12" name="Группа 11"/>
-          <p:cNvGrpSpPr/>
-          <p:nvPr/>
-        </p:nvGrpSpPr>
-        <p:grpSpPr>
-          <a:xfrm>
-            <a:off x="0" y="0"/>
-            <a:ext cx="12192000" cy="6839159"/>
-            <a:chOff x="0" y="0"/>
-            <a:chExt cx="12192000" cy="6839159"/>
-          </a:xfrm>
-        </p:grpSpPr>
-        <p:sp>
-          <p:nvSpPr>
-            <p:cNvPr id="10" name="Прямоугольник 9"/>
-            <p:cNvSpPr/>
-            <p:nvPr/>
-          </p:nvSpPr>
-          <p:spPr>
-            <a:xfrm>
-              <a:off x="0" y="0"/>
-              <a:ext cx="12192000" cy="6839159"/>
-            </a:xfrm>
-            <a:prstGeom prst="rect">
-              <a:avLst/>
-            </a:prstGeom>
-          </p:spPr>
-          <p:style>
-            <a:lnRef idx="2">
-              <a:schemeClr val="accent2">
-                <a:shade val="50000"/>
-              </a:schemeClr>
-            </a:lnRef>
-            <a:fillRef idx="1">
-              <a:schemeClr val="accent2"/>
-            </a:fillRef>
-            <a:effectRef idx="0">
-              <a:schemeClr val="accent2"/>
-            </a:effectRef>
-            <a:fontRef idx="minor">
-              <a:schemeClr val="lt1"/>
-            </a:fontRef>
-          </p:style>
-          <p:txBody>
-            <a:bodyPr rtlCol="0" anchor="ctr"/>
-            <a:lstStyle/>
-            <a:p>
-              <a:pPr algn="ctr"/>
-              <a:endParaRPr lang="ru-RU"/>
-            </a:p>
-          </p:txBody>
-        </p:sp>
-        <p:sp>
-          <p:nvSpPr>
-            <p:cNvPr id="11" name="Скругленный прямоугольник 10"/>
-            <p:cNvSpPr/>
-            <p:nvPr/>
-          </p:nvSpPr>
-          <p:spPr>
-            <a:xfrm>
-              <a:off x="224118" y="206187"/>
-              <a:ext cx="11733420" cy="6481197"/>
-            </a:xfrm>
-            <a:prstGeom prst="roundRect">
-              <a:avLst>
-                <a:gd name="adj" fmla="val 4854"/>
-              </a:avLst>
-            </a:prstGeom>
-            <a:solidFill>
-              <a:schemeClr val="bg1"/>
-            </a:solidFill>
-            <a:ln>
-              <a:solidFill>
-                <a:schemeClr val="tx2"/>
-              </a:solidFill>
-            </a:ln>
-          </p:spPr>
-          <p:style>
-            <a:lnRef idx="2">
-              <a:schemeClr val="accent1">
-                <a:shade val="50000"/>
-              </a:schemeClr>
-            </a:lnRef>
-            <a:fillRef idx="1">
-              <a:schemeClr val="accent1"/>
-            </a:fillRef>
-            <a:effectRef idx="0">
-              <a:schemeClr val="accent1"/>
-            </a:effectRef>
-            <a:fontRef idx="minor">
-              <a:schemeClr val="lt1"/>
-            </a:fontRef>
-          </p:style>
-          <p:txBody>
-            <a:bodyPr rtlCol="0" anchor="ctr"/>
-            <a:lstStyle/>
-            <a:p>
-              <a:pPr algn="ctr"/>
-              <a:endParaRPr lang="ru-RU"/>
-            </a:p>
-          </p:txBody>
-        </p:sp>
-      </p:grpSp>
-      <p:sp>
-        <p:nvSpPr>
-          <p:cNvPr id="8" name="Объект 6"/>
-          <p:cNvSpPr>
-            <a:spLocks noGrp="1"/>
-          </p:cNvSpPr>
-          <p:nvPr>
-            <p:ph idx="1"/>
-          </p:nvPr>
-        </p:nvSpPr>
-        <p:spPr>
-          <a:xfrm>
-            <a:off x="334977" y="893340"/>
-            <a:ext cx="4544840" cy="5106887"/>
-          </a:xfrm>
-        </p:spPr>
-        <p:txBody>
-          <a:bodyPr>
-            <a:normAutofit fontScale="25000" lnSpcReduction="20000"/>
-          </a:bodyPr>
-          <a:lstStyle/>
-          <a:p>
-            <a:pPr marL="0" indent="0">
-              <a:buNone/>
-            </a:pPr>
-            <a:endParaRPr lang="ru-RU" b="1" dirty="0" smtClean="0"/>
-          </a:p>
-          <a:p>
-            <a:pPr marL="457200" lvl="2" indent="0" algn="ctr">
-              <a:buNone/>
-            </a:pPr>
-            <a:r>
-              <a:rPr lang="en-US" sz="14400" dirty="0" smtClean="0"/>
-              <a:t>solution1</a:t>
-            </a:r>
-            <a:endParaRPr lang="en-US" sz="14400" dirty="0"/>
-          </a:p>
-          <a:p>
-            <a:pPr marL="457200" lvl="2" indent="-457200" algn="ctr"/>
-            <a:endParaRPr lang="en-US" sz="4000" dirty="0" smtClean="0"/>
-          </a:p>
-          <a:p>
-            <a:pPr marL="0" lvl="2" indent="0">
-              <a:buNone/>
-            </a:pPr>
-            <a:endParaRPr lang="ru-RU" sz="4800" dirty="0"/>
-          </a:p>
-          <a:p>
-            <a:r>
-              <a:rPr lang="en-US" sz="7200" dirty="0"/>
-              <a:t>s</a:t>
-            </a:r>
-            <a:r>
-              <a:rPr lang="en-US" sz="7200" dirty="0" smtClean="0"/>
-              <a:t>tart </a:t>
-            </a:r>
-            <a:r>
-              <a:rPr lang="en-US" sz="7200" dirty="0">
-                <a:latin typeface="Corbel" panose="020B0503020204020204" pitchFamily="34" charset="0"/>
-              </a:rPr>
-              <a:t>–</a:t>
-            </a:r>
-            <a:r>
-              <a:rPr lang="ru-RU" sz="7200" dirty="0"/>
-              <a:t> </a:t>
-            </a:r>
-            <a:r>
-              <a:rPr lang="ru-RU" sz="7200" dirty="0" smtClean="0"/>
-              <a:t>приветствие пользователя, </a:t>
-            </a:r>
-            <a:r>
-              <a:rPr lang="ru-RU" sz="7200" dirty="0"/>
-              <a:t>вывод документации к </a:t>
-            </a:r>
-            <a:r>
-              <a:rPr lang="ru-RU" sz="7200" dirty="0" smtClean="0"/>
-              <a:t>боту</a:t>
-            </a:r>
-          </a:p>
-          <a:p>
-            <a:r>
-              <a:rPr lang="en-US" sz="7200" dirty="0" smtClean="0"/>
-              <a:t>guide</a:t>
-            </a:r>
-            <a:r>
-              <a:rPr lang="ru-RU" sz="7200" dirty="0" smtClean="0"/>
-              <a:t> </a:t>
-            </a:r>
-            <a:r>
-              <a:rPr lang="ru-RU" sz="7200" dirty="0"/>
-              <a:t>– начало диалога с </a:t>
-            </a:r>
-            <a:r>
-              <a:rPr lang="ru-RU" sz="7200" dirty="0" smtClean="0"/>
-              <a:t>пользователем</a:t>
-            </a:r>
-            <a:endParaRPr lang="ru-RU" sz="7200" dirty="0" smtClean="0">
-              <a:latin typeface="Corbel" panose="020B0503020204020204" pitchFamily="34" charset="0"/>
-            </a:endParaRPr>
-          </a:p>
-          <a:p>
-            <a:r>
-              <a:rPr lang="en-US" sz="7200" dirty="0"/>
-              <a:t>town</a:t>
-            </a:r>
-            <a:r>
-              <a:rPr lang="ru-RU" sz="7200" dirty="0"/>
-              <a:t> – определение </a:t>
-            </a:r>
-            <a:r>
-              <a:rPr lang="ru-RU" sz="7200" dirty="0" smtClean="0"/>
-              <a:t>города</a:t>
-            </a:r>
-          </a:p>
-          <a:p>
-            <a:r>
-              <a:rPr lang="en-US" sz="7200" dirty="0" err="1" smtClean="0"/>
-              <a:t>unterests</a:t>
-            </a:r>
-            <a:r>
-              <a:rPr lang="ru-RU" sz="7200" dirty="0" smtClean="0">
-                <a:latin typeface="Corbel" panose="020B0503020204020204" pitchFamily="34" charset="0"/>
-              </a:rPr>
-              <a:t> – смена города, вывод текущей погоды, результат поиска по организациям</a:t>
-            </a:r>
-            <a:r>
-              <a:rPr lang="en-US" sz="7200" dirty="0" smtClean="0">
-                <a:latin typeface="Corbel" panose="020B0503020204020204" pitchFamily="34" charset="0"/>
-              </a:rPr>
-              <a:t>/</a:t>
-            </a:r>
-            <a:r>
-              <a:rPr lang="ru-RU" sz="7200" dirty="0" smtClean="0">
-                <a:latin typeface="Corbel" panose="020B0503020204020204" pitchFamily="34" charset="0"/>
-              </a:rPr>
-              <a:t>топонимам</a:t>
-            </a:r>
-            <a:r>
-              <a:rPr lang="en-US" sz="7200" dirty="0" smtClean="0">
-                <a:latin typeface="Corbel" panose="020B0503020204020204" pitchFamily="34" charset="0"/>
-              </a:rPr>
-              <a:t> </a:t>
-            </a:r>
-            <a:endParaRPr lang="ru-RU" sz="7200" dirty="0" smtClean="0">
-              <a:latin typeface="Corbel" panose="020B0503020204020204" pitchFamily="34" charset="0"/>
-            </a:endParaRPr>
-          </a:p>
-          <a:p>
-            <a:r>
-              <a:rPr lang="en-US" sz="7200" dirty="0" err="1" smtClean="0"/>
-              <a:t>change_places</a:t>
-            </a:r>
-            <a:r>
-              <a:rPr lang="ru-RU" sz="7200" dirty="0" smtClean="0">
-                <a:latin typeface="Corbel" panose="020B0503020204020204" pitchFamily="34" charset="0"/>
-              </a:rPr>
-              <a:t> – вывод прогнозируемой погоды</a:t>
-            </a:r>
-          </a:p>
-          <a:p>
-            <a:r>
-              <a:rPr lang="en-US" sz="7200" dirty="0" smtClean="0"/>
-              <a:t>stop</a:t>
-            </a:r>
-            <a:r>
-              <a:rPr lang="ru-RU" sz="7200" dirty="0" smtClean="0">
-                <a:latin typeface="Corbel" panose="020B0503020204020204" pitchFamily="34" charset="0"/>
-              </a:rPr>
-              <a:t> – прекращение поиска</a:t>
-            </a:r>
-          </a:p>
-          <a:p>
-            <a:r>
-              <a:rPr lang="en-US" sz="7200" dirty="0" err="1"/>
-              <a:t>t</a:t>
-            </a:r>
-            <a:r>
-              <a:rPr lang="en-US" sz="7200" dirty="0" err="1" smtClean="0"/>
-              <a:t>raffic_congestion</a:t>
-            </a:r>
-            <a:r>
-              <a:rPr lang="en-US" sz="7200" dirty="0" smtClean="0"/>
-              <a:t> </a:t>
-            </a:r>
-            <a:r>
-              <a:rPr lang="en-US" sz="7200" dirty="0" smtClean="0">
-                <a:latin typeface="Corbel" panose="020B0503020204020204" pitchFamily="34" charset="0"/>
-              </a:rPr>
-              <a:t>– </a:t>
-            </a:r>
-            <a:r>
-              <a:rPr lang="ru-RU" sz="7200" dirty="0" smtClean="0">
-                <a:latin typeface="Corbel" panose="020B0503020204020204" pitchFamily="34" charset="0"/>
-              </a:rPr>
-              <a:t>вывод карты  с состоянием автомобильного движения в городе</a:t>
-            </a:r>
-          </a:p>
-          <a:p>
-            <a:pPr marL="0" lvl="2" indent="0" algn="ctr">
-              <a:buNone/>
-            </a:pPr>
-            <a:endParaRPr lang="ru-RU" sz="1800" dirty="0" smtClean="0">
-              <a:latin typeface="Corbel" panose="020B0503020204020204" pitchFamily="34" charset="0"/>
-            </a:endParaRPr>
-          </a:p>
-        </p:txBody>
-      </p:sp>
-      <p:pic>
-        <p:nvPicPr>
-          <p:cNvPr id="6" name="Рисунок 5"/>
-          <p:cNvPicPr>
-            <a:picLocks noChangeAspect="1"/>
-          </p:cNvPicPr>
-          <p:nvPr/>
-        </p:nvPicPr>
-        <p:blipFill rotWithShape="1">
-          <a:blip r:embed="rId2"/>
-          <a:srcRect l="14058" t="14340" r="38583" b="26727"/>
-          <a:stretch/>
-        </p:blipFill>
-        <p:spPr>
-          <a:xfrm>
-            <a:off x="4922302" y="999376"/>
-            <a:ext cx="6992751" cy="4894817"/>
-          </a:xfrm>
-          <a:prstGeom prst="rect">
-            <a:avLst/>
-          </a:prstGeom>
-        </p:spPr>
-      </p:pic>
-    </p:spTree>
-    <p:extLst>
-      <p:ext uri="{BB962C8B-B14F-4D97-AF65-F5344CB8AC3E}">
-        <p14:creationId xmlns:p14="http://schemas.microsoft.com/office/powerpoint/2010/main" val="1222560102"/>
-      </p:ext>
-    </p:extLst>
-  </p:cSld>
-  <p:clrMapOvr>
-    <a:masterClrMapping/>
-  </p:clrMapOvr>
-  <p:timing>
-    <p:tnLst>
-      <p:par>
-        <p:cTn id="1" dur="indefinite" restart="never" nodeType="tmRoot"/>
-      </p:par>
-    </p:tnLst>
-  </p:timing>
-</p:sld>
-</file>
-
 <file path=ppt/slides/slide5.xml><?xml version="1.0" encoding="utf-8"?>
 <p:sld xmlns:a="http://schemas.openxmlformats.org/drawingml/2006/main" xmlns:r="http://schemas.openxmlformats.org/officeDocument/2006/relationships" xmlns:p="http://schemas.openxmlformats.org/presentationml/2006/main">
   <p:cSld>
@@ -4767,13 +5268,13 @@
         </p:nvSpPr>
         <p:spPr>
           <a:xfrm>
-            <a:off x="318961" y="1671028"/>
-            <a:ext cx="4533696" cy="3551514"/>
+            <a:off x="334977" y="893340"/>
+            <a:ext cx="4544840" cy="5106887"/>
           </a:xfrm>
         </p:spPr>
         <p:txBody>
           <a:bodyPr>
-            <a:normAutofit/>
+            <a:normAutofit fontScale="25000" lnSpcReduction="20000"/>
           </a:bodyPr>
           <a:lstStyle/>
           <a:p>
@@ -4783,111 +5284,202 @@
             <a:endParaRPr lang="ru-RU" b="1" dirty="0" smtClean="0"/>
           </a:p>
           <a:p>
-            <a:pPr marL="0" lvl="2" indent="0" algn="ctr">
+            <a:pPr marL="457200" lvl="2" indent="0" algn="ctr">
               <a:buNone/>
             </a:pPr>
             <a:r>
-              <a:rPr lang="en-US" sz="3200" dirty="0" err="1" smtClean="0"/>
-              <a:t>weather_api</a:t>
-            </a:r>
-            <a:endParaRPr lang="ru-RU" sz="3200" dirty="0" smtClean="0"/>
-          </a:p>
-          <a:p>
-            <a:pPr marL="0" lvl="2" indent="0" algn="ctr">
+              <a:rPr lang="en-US" sz="14400" dirty="0" smtClean="0"/>
+              <a:t>solution1</a:t>
+            </a:r>
+            <a:endParaRPr lang="en-US" sz="14400" dirty="0"/>
+          </a:p>
+          <a:p>
+            <a:pPr marL="457200" lvl="2" indent="-457200" algn="ctr"/>
+            <a:endParaRPr lang="en-US" sz="4000" dirty="0" smtClean="0"/>
+          </a:p>
+          <a:p>
+            <a:pPr marL="0" lvl="2" indent="0">
               <a:buNone/>
             </a:pPr>
-            <a:endParaRPr lang="en-US" sz="3200" dirty="0" smtClean="0"/>
-          </a:p>
-          <a:p>
-            <a:pPr marL="571500" lvl="2" indent="-571500"/>
-            <a:r>
-              <a:rPr lang="en-US" sz="1800" dirty="0" err="1" smtClean="0"/>
-              <a:t>get_weather</a:t>
-            </a:r>
-            <a:r>
-              <a:rPr lang="en-US" sz="1800" dirty="0" smtClean="0"/>
-              <a:t> </a:t>
-            </a:r>
-            <a:r>
-              <a:rPr lang="en-US" sz="1900" dirty="0" smtClean="0">
+            <a:endParaRPr lang="ru-RU" sz="4800" dirty="0"/>
+          </a:p>
+          <a:p>
+            <a:r>
+              <a:rPr lang="en-US" sz="7200" dirty="0"/>
+              <a:t>s</a:t>
+            </a:r>
+            <a:r>
+              <a:rPr lang="en-US" sz="7200" dirty="0" smtClean="0"/>
+              <a:t>tart </a:t>
+            </a:r>
+            <a:r>
+              <a:rPr lang="en-US" sz="7200" dirty="0">
                 <a:latin typeface="Corbel" panose="020B0503020204020204" pitchFamily="34" charset="0"/>
               </a:rPr>
               <a:t>–</a:t>
             </a:r>
             <a:r>
-              <a:rPr lang="ru-RU" sz="1900" dirty="0" smtClean="0">
+              <a:rPr lang="ru-RU" sz="7200" dirty="0"/>
+              <a:t> </a:t>
+            </a:r>
+            <a:r>
+              <a:rPr lang="ru-RU" sz="7200" dirty="0" smtClean="0"/>
+              <a:t>приветствие пользователя, </a:t>
+            </a:r>
+            <a:r>
+              <a:rPr lang="ru-RU" sz="7200" dirty="0"/>
+              <a:t>вывод документации к </a:t>
+            </a:r>
+            <a:r>
+              <a:rPr lang="ru-RU" sz="7200" dirty="0" smtClean="0"/>
+              <a:t>боту</a:t>
+            </a:r>
+          </a:p>
+          <a:p>
+            <a:r>
+              <a:rPr lang="en-US" sz="7200" dirty="0" smtClean="0"/>
+              <a:t>guide</a:t>
+            </a:r>
+            <a:r>
+              <a:rPr lang="ru-RU" sz="7200" dirty="0" smtClean="0"/>
+              <a:t> </a:t>
+            </a:r>
+            <a:r>
+              <a:rPr lang="ru-RU" sz="7200" dirty="0"/>
+              <a:t>– начало диалога с </a:t>
+            </a:r>
+            <a:r>
+              <a:rPr lang="ru-RU" sz="7200" dirty="0" smtClean="0"/>
+              <a:t>пользователем</a:t>
+            </a:r>
+            <a:endParaRPr lang="ru-RU" sz="7200" dirty="0" smtClean="0">
+              <a:latin typeface="Corbel" panose="020B0503020204020204" pitchFamily="34" charset="0"/>
+            </a:endParaRPr>
+          </a:p>
+          <a:p>
+            <a:r>
+              <a:rPr lang="en-US" sz="7200" dirty="0"/>
+              <a:t>town</a:t>
+            </a:r>
+            <a:r>
+              <a:rPr lang="ru-RU" sz="7200" dirty="0"/>
+              <a:t> – определение </a:t>
+            </a:r>
+            <a:r>
+              <a:rPr lang="ru-RU" sz="7200" dirty="0" smtClean="0"/>
+              <a:t>города</a:t>
+            </a:r>
+          </a:p>
+          <a:p>
+            <a:r>
+              <a:rPr lang="en-US" sz="7200" dirty="0" err="1" smtClean="0"/>
+              <a:t>unterests</a:t>
+            </a:r>
+            <a:r>
+              <a:rPr lang="ru-RU" sz="7200" dirty="0" smtClean="0">
+                <a:latin typeface="Corbel" panose="020B0503020204020204" pitchFamily="34" charset="0"/>
+              </a:rPr>
+              <a:t> – смена города, вывод текущей погоды, результат поиска по организациям</a:t>
+            </a:r>
+            <a:r>
+              <a:rPr lang="en-US" sz="7200" dirty="0" smtClean="0">
+                <a:latin typeface="Corbel" panose="020B0503020204020204" pitchFamily="34" charset="0"/>
+              </a:rPr>
+              <a:t>/</a:t>
+            </a:r>
+            <a:r>
+              <a:rPr lang="ru-RU" sz="7200" dirty="0" smtClean="0">
+                <a:latin typeface="Corbel" panose="020B0503020204020204" pitchFamily="34" charset="0"/>
+              </a:rPr>
+              <a:t>топонимам</a:t>
+            </a:r>
+            <a:r>
+              <a:rPr lang="en-US" sz="7200" dirty="0" smtClean="0">
                 <a:latin typeface="Corbel" panose="020B0503020204020204" pitchFamily="34" charset="0"/>
               </a:rPr>
               <a:t> </a:t>
             </a:r>
-            <a:r>
-              <a:rPr lang="ru-RU" sz="1800" dirty="0" smtClean="0">
+            <a:endParaRPr lang="ru-RU" sz="7200" dirty="0" smtClean="0">
+              <a:latin typeface="Corbel" panose="020B0503020204020204" pitchFamily="34" charset="0"/>
+            </a:endParaRPr>
+          </a:p>
+          <a:p>
+            <a:r>
+              <a:rPr lang="en-US" sz="7200" dirty="0" err="1" smtClean="0"/>
+              <a:t>change_places</a:t>
+            </a:r>
+            <a:r>
+              <a:rPr lang="ru-RU" sz="7200" dirty="0" smtClean="0">
                 <a:latin typeface="Corbel" panose="020B0503020204020204" pitchFamily="34" charset="0"/>
               </a:rPr>
-              <a:t>прогнозирование погоды </a:t>
-            </a:r>
-          </a:p>
-          <a:p>
-            <a:pPr marL="0" indent="0" algn="ctr">
+              <a:t> – вывод прогнозируемой погоды</a:t>
+            </a:r>
+          </a:p>
+          <a:p>
+            <a:r>
+              <a:rPr lang="en-US" sz="7200" dirty="0" smtClean="0"/>
+              <a:t>stop</a:t>
+            </a:r>
+            <a:r>
+              <a:rPr lang="ru-RU" sz="7200" dirty="0" smtClean="0">
+                <a:latin typeface="Corbel" panose="020B0503020204020204" pitchFamily="34" charset="0"/>
+              </a:rPr>
+              <a:t> – прекращение поиска</a:t>
+            </a:r>
+          </a:p>
+          <a:p>
+            <a:r>
+              <a:rPr lang="en-US" sz="7200" dirty="0" err="1"/>
+              <a:t>t</a:t>
+            </a:r>
+            <a:r>
+              <a:rPr lang="en-US" sz="7200" dirty="0" err="1" smtClean="0"/>
+              <a:t>raffic_congestion</a:t>
+            </a:r>
+            <a:r>
+              <a:rPr lang="en-US" sz="7200" dirty="0" smtClean="0"/>
+              <a:t> </a:t>
+            </a:r>
+            <a:r>
+              <a:rPr lang="en-US" sz="7200" dirty="0" smtClean="0">
+                <a:latin typeface="Corbel" panose="020B0503020204020204" pitchFamily="34" charset="0"/>
+              </a:rPr>
+              <a:t>– </a:t>
+            </a:r>
+            <a:r>
+              <a:rPr lang="ru-RU" sz="7200" dirty="0" smtClean="0">
+                <a:latin typeface="Corbel" panose="020B0503020204020204" pitchFamily="34" charset="0"/>
+              </a:rPr>
+              <a:t>вывод карты  с состоянием автомобильного движения в городе</a:t>
+            </a:r>
+          </a:p>
+          <a:p>
+            <a:pPr marL="0" lvl="2" indent="0" algn="ctr">
               <a:buNone/>
             </a:pPr>
-            <a:r>
-              <a:rPr lang="ru-RU" dirty="0" smtClean="0"/>
-              <a:t>Для </a:t>
-            </a:r>
-            <a:r>
-              <a:rPr lang="ru-RU" dirty="0"/>
-              <a:t>использования API </a:t>
-            </a:r>
-            <a:r>
-              <a:rPr lang="ru-RU" dirty="0" err="1"/>
-              <a:t>Яндекс.Погоды</a:t>
-            </a:r>
-            <a:r>
-              <a:rPr lang="ru-RU" dirty="0"/>
-              <a:t> мы </a:t>
-            </a:r>
-            <a:r>
-              <a:rPr lang="ru-RU" dirty="0" smtClean="0"/>
-              <a:t>подавали </a:t>
-            </a:r>
-            <a:r>
-              <a:rPr lang="ru-RU" dirty="0"/>
-              <a:t>заявку на ключ на </a:t>
-            </a:r>
-            <a:endParaRPr lang="ru-RU" dirty="0" smtClean="0"/>
-          </a:p>
-          <a:p>
-            <a:pPr marL="0" indent="0" algn="ctr">
-              <a:buNone/>
-            </a:pPr>
-            <a:r>
-              <a:rPr lang="ru-RU" dirty="0" smtClean="0">
-                <a:hlinkClick r:id="rId2"/>
-              </a:rPr>
-              <a:t>api-weather@support.yandex.ru</a:t>
-            </a:r>
-            <a:endParaRPr lang="ru-RU" sz="2000" i="1" dirty="0"/>
+            <a:endParaRPr lang="ru-RU" sz="1800" dirty="0" smtClean="0">
+              <a:latin typeface="Corbel" panose="020B0503020204020204" pitchFamily="34" charset="0"/>
+            </a:endParaRPr>
           </a:p>
         </p:txBody>
       </p:sp>
       <p:pic>
         <p:nvPicPr>
-          <p:cNvPr id="2" name="Рисунок 1"/>
+          <p:cNvPr id="6" name="Рисунок 5"/>
           <p:cNvPicPr>
             <a:picLocks noChangeAspect="1"/>
           </p:cNvPicPr>
           <p:nvPr/>
         </p:nvPicPr>
         <p:blipFill rotWithShape="1">
-          <a:blip r:embed="rId3"/>
-          <a:srcRect l="3509" t="9450" r="52153" b="27514"/>
+          <a:blip r:embed="rId2"/>
+          <a:srcRect l="14058" t="14340" r="38583" b="26727"/>
           <a:stretch/>
         </p:blipFill>
         <p:spPr>
           <a:xfrm>
-            <a:off x="4852657" y="639433"/>
-            <a:ext cx="6953062" cy="5560291"/>
+            <a:off x="4922302" y="999376"/>
+            <a:ext cx="6992751" cy="4894817"/>
           </a:xfrm>
           <a:prstGeom prst="rect">
             <a:avLst/>
@@ -4897,7 +5489,7 @@
     </p:spTree>
     <p:extLst>
       <p:ext uri="{BB962C8B-B14F-4D97-AF65-F5344CB8AC3E}">
-        <p14:creationId xmlns:p14="http://schemas.microsoft.com/office/powerpoint/2010/main" val="875405"/>
+        <p14:creationId xmlns:p14="http://schemas.microsoft.com/office/powerpoint/2010/main" val="1222560102"/>
       </p:ext>
     </p:extLst>
   </p:cSld>
@@ -5048,13 +5640,13 @@
         </p:nvSpPr>
         <p:spPr>
           <a:xfrm>
-            <a:off x="529024" y="1326958"/>
-            <a:ext cx="4999732" cy="4239653"/>
+            <a:off x="318961" y="1671028"/>
+            <a:ext cx="4533696" cy="3551514"/>
           </a:xfrm>
         </p:spPr>
         <p:txBody>
           <a:bodyPr>
-            <a:normAutofit fontScale="47500" lnSpcReduction="20000"/>
+            <a:normAutofit/>
           </a:bodyPr>
           <a:lstStyle/>
           <a:p>
@@ -5064,159 +5656,111 @@
             <a:endParaRPr lang="ru-RU" b="1" dirty="0" smtClean="0"/>
           </a:p>
           <a:p>
-            <a:pPr marL="0" lvl="0" indent="0" algn="ctr">
+            <a:pPr marL="0" lvl="2" indent="0" algn="ctr">
               <a:buNone/>
             </a:pPr>
             <a:r>
-              <a:rPr lang="en-US" sz="3600" dirty="0" smtClean="0"/>
+              <a:rPr lang="en-US" sz="3200" dirty="0" err="1" smtClean="0"/>
+              <a:t>weather_api</a:t>
+            </a:r>
+            <a:endParaRPr lang="ru-RU" sz="3200" dirty="0" smtClean="0"/>
+          </a:p>
+          <a:p>
+            <a:pPr marL="0" lvl="2" indent="0" algn="ctr">
+              <a:buNone/>
+            </a:pPr>
+            <a:endParaRPr lang="en-US" sz="3200" dirty="0" smtClean="0"/>
+          </a:p>
+          <a:p>
+            <a:pPr marL="571500" lvl="2" indent="-571500"/>
+            <a:r>
+              <a:rPr lang="en-US" sz="1800" dirty="0" err="1" smtClean="0"/>
+              <a:t>get_weather</a:t>
+            </a:r>
+            <a:r>
+              <a:rPr lang="en-US" sz="1800" dirty="0" smtClean="0"/>
               <a:t> </a:t>
             </a:r>
             <a:r>
-              <a:rPr lang="en-US" sz="6700" dirty="0" smtClean="0"/>
-              <a:t>geocoder</a:t>
-            </a:r>
-          </a:p>
-          <a:p>
-            <a:pPr marL="0" lvl="0" indent="0">
+              <a:rPr lang="en-US" sz="1900" dirty="0" smtClean="0">
+                <a:latin typeface="Corbel" panose="020B0503020204020204" pitchFamily="34" charset="0"/>
+              </a:rPr>
+              <a:t>–</a:t>
+            </a:r>
+            <a:r>
+              <a:rPr lang="ru-RU" sz="1900" dirty="0" smtClean="0">
+                <a:latin typeface="Corbel" panose="020B0503020204020204" pitchFamily="34" charset="0"/>
+              </a:rPr>
+              <a:t> </a:t>
+            </a:r>
+            <a:r>
+              <a:rPr lang="ru-RU" sz="1800" dirty="0" smtClean="0">
+                <a:latin typeface="Corbel" panose="020B0503020204020204" pitchFamily="34" charset="0"/>
+              </a:rPr>
+              <a:t>прогнозирование погоды </a:t>
+            </a:r>
+          </a:p>
+          <a:p>
+            <a:pPr marL="0" indent="0" algn="ctr">
               <a:buNone/>
             </a:pPr>
-            <a:endParaRPr lang="en-US" sz="6700" dirty="0"/>
-          </a:p>
-          <a:p>
-            <a:pPr lvl="0"/>
-            <a:r>
-              <a:rPr lang="en-US" sz="3800" dirty="0" err="1"/>
-              <a:t>def</a:t>
-            </a:r>
-            <a:r>
-              <a:rPr lang="en-US" sz="3800" dirty="0"/>
-              <a:t> </a:t>
-            </a:r>
-            <a:r>
-              <a:rPr lang="en-US" sz="3800" dirty="0" smtClean="0"/>
-              <a:t>geocode – </a:t>
-            </a:r>
-            <a:r>
-              <a:rPr lang="ru-RU" sz="3800" dirty="0" smtClean="0">
-                <a:latin typeface="+mj-lt"/>
+            <a:r>
+              <a:rPr lang="ru-RU" dirty="0" smtClean="0"/>
+              <a:t>Для </a:t>
+            </a:r>
+            <a:r>
+              <a:rPr lang="ru-RU" dirty="0"/>
+              <a:t>использования API </a:t>
+            </a:r>
+            <a:r>
+              <a:rPr lang="ru-RU" dirty="0" err="1"/>
+              <a:t>Яндекс.Погоды</a:t>
+            </a:r>
+            <a:r>
+              <a:rPr lang="ru-RU" dirty="0"/>
+              <a:t> мы </a:t>
+            </a:r>
+            <a:r>
+              <a:rPr lang="ru-RU" dirty="0" smtClean="0"/>
+              <a:t>подавали </a:t>
+            </a:r>
+            <a:r>
+              <a:rPr lang="ru-RU" dirty="0"/>
+              <a:t>заявку на ключ на </a:t>
+            </a:r>
+            <a:endParaRPr lang="ru-RU" dirty="0" smtClean="0"/>
+          </a:p>
+          <a:p>
+            <a:pPr marL="0" indent="0" algn="ctr">
+              <a:buNone/>
+            </a:pPr>
+            <a:r>
+              <a:rPr lang="ru-RU" dirty="0" smtClean="0">
+                <a:hlinkClick r:id="rId2"/>
               </a:rPr>
-              <a:t>обработка запроса</a:t>
-            </a:r>
-            <a:endParaRPr lang="en-US" sz="3800" dirty="0" smtClean="0">
-              <a:latin typeface="+mj-lt"/>
-            </a:endParaRPr>
-          </a:p>
-          <a:p>
-            <a:pPr lvl="0"/>
-            <a:r>
-              <a:rPr lang="en-US" sz="3800" dirty="0" err="1" smtClean="0"/>
-              <a:t>def</a:t>
-            </a:r>
-            <a:r>
-              <a:rPr lang="en-US" sz="3800" dirty="0" smtClean="0"/>
-              <a:t> </a:t>
-            </a:r>
-            <a:r>
-              <a:rPr lang="en-US" sz="3800" dirty="0" err="1" smtClean="0"/>
-              <a:t>get_coordinates</a:t>
-            </a:r>
-            <a:r>
-              <a:rPr lang="en-US" sz="3800" dirty="0" smtClean="0"/>
-              <a:t> – </a:t>
-            </a:r>
-            <a:r>
-              <a:rPr lang="ru-RU" sz="3800" dirty="0" smtClean="0"/>
-              <a:t>получение координат объекта по его адресу</a:t>
-            </a:r>
-          </a:p>
-          <a:p>
-            <a:pPr lvl="0"/>
-            <a:r>
-              <a:rPr lang="en-US" sz="3800" dirty="0" err="1"/>
-              <a:t>g</a:t>
-            </a:r>
-            <a:r>
-              <a:rPr lang="en-US" sz="3800" dirty="0" err="1" smtClean="0"/>
-              <a:t>et_ll_span</a:t>
-            </a:r>
-            <a:r>
-              <a:rPr lang="en-US" sz="3800" dirty="0" smtClean="0"/>
-              <a:t> – </a:t>
-            </a:r>
-            <a:r>
-              <a:rPr lang="ru-RU" sz="3800" dirty="0" smtClean="0"/>
-              <a:t>параметры объекта для рисования карты вокруг него</a:t>
-            </a:r>
-          </a:p>
-          <a:p>
-            <a:pPr lvl="0"/>
-            <a:r>
-              <a:rPr lang="en-US" sz="3800" dirty="0"/>
-              <a:t>s</a:t>
-            </a:r>
-            <a:r>
-              <a:rPr lang="en-US" sz="3800" dirty="0" smtClean="0"/>
-              <a:t>earch</a:t>
-            </a:r>
-            <a:r>
-              <a:rPr lang="ru-RU" sz="3800" dirty="0" smtClean="0"/>
-              <a:t> – нахождение организаций в городе</a:t>
-            </a:r>
-            <a:endParaRPr lang="en-US" sz="3800" dirty="0" smtClean="0"/>
-          </a:p>
-          <a:p>
-            <a:pPr marL="0" lvl="0" indent="0">
-              <a:buNone/>
-            </a:pPr>
-            <a:endParaRPr lang="ru-RU" sz="4200" dirty="0"/>
-          </a:p>
-          <a:p>
-            <a:pPr marL="0" indent="0" algn="ctr">
-              <a:buNone/>
-            </a:pPr>
-            <a:r>
-              <a:rPr lang="ru-RU" sz="4200" i="1" dirty="0" smtClean="0"/>
-              <a:t>Использован </a:t>
-            </a:r>
-            <a:r>
-              <a:rPr lang="en-US" sz="4200" i="1" dirty="0"/>
-              <a:t>API </a:t>
-            </a:r>
-            <a:r>
-              <a:rPr lang="ru-RU" sz="4200" i="1" dirty="0" err="1" smtClean="0"/>
-              <a:t>Яндекс.Карт</a:t>
-            </a:r>
-            <a:r>
-              <a:rPr lang="en-US" sz="4200" i="1" dirty="0" smtClean="0"/>
-              <a:t> (HTTP API)</a:t>
-            </a:r>
-            <a:endParaRPr lang="ru-RU" sz="4200" i="1" dirty="0"/>
-          </a:p>
-          <a:p>
-            <a:pPr marL="0" lvl="0" indent="0">
-              <a:buNone/>
-            </a:pPr>
-            <a:endParaRPr lang="en-US" sz="3800" dirty="0" smtClean="0"/>
+              <a:t>api-weather@support.yandex.ru</a:t>
+            </a:r>
+            <a:endParaRPr lang="ru-RU" sz="2000" i="1" dirty="0"/>
           </a:p>
         </p:txBody>
       </p:sp>
       <p:pic>
         <p:nvPicPr>
-          <p:cNvPr id="7" name="Рисунок 6"/>
+          <p:cNvPr id="2" name="Рисунок 1"/>
           <p:cNvPicPr>
             <a:picLocks noChangeAspect="1"/>
           </p:cNvPicPr>
           <p:nvPr/>
         </p:nvPicPr>
         <p:blipFill rotWithShape="1">
-          <a:blip r:embed="rId2"/>
-          <a:srcRect l="14059" t="11205" r="46423" b="22278"/>
+          <a:blip r:embed="rId3"/>
+          <a:srcRect l="3509" t="9450" r="52153" b="27514"/>
           <a:stretch/>
         </p:blipFill>
         <p:spPr>
           <a:xfrm>
-            <a:off x="5640815" y="548112"/>
-            <a:ext cx="6065400" cy="5742934"/>
+            <a:off x="4852657" y="639433"/>
+            <a:ext cx="6953062" cy="5560291"/>
           </a:xfrm>
           <a:prstGeom prst="rect">
             <a:avLst/>
@@ -5226,7 +5770,7 @@
     </p:spTree>
     <p:extLst>
       <p:ext uri="{BB962C8B-B14F-4D97-AF65-F5344CB8AC3E}">
-        <p14:creationId xmlns:p14="http://schemas.microsoft.com/office/powerpoint/2010/main" val="738137644"/>
+        <p14:creationId xmlns:p14="http://schemas.microsoft.com/office/powerpoint/2010/main" val="875405"/>
       </p:ext>
     </p:extLst>
   </p:cSld>
@@ -5377,13 +5921,13 @@
         </p:nvSpPr>
         <p:spPr>
           <a:xfrm>
-            <a:off x="3433832" y="1307591"/>
-            <a:ext cx="5313992" cy="3685033"/>
+            <a:off x="529024" y="1326958"/>
+            <a:ext cx="4999732" cy="4239653"/>
           </a:xfrm>
         </p:spPr>
         <p:txBody>
           <a:bodyPr>
-            <a:normAutofit fontScale="62500" lnSpcReduction="20000"/>
+            <a:normAutofit fontScale="47500" lnSpcReduction="20000"/>
           </a:bodyPr>
           <a:lstStyle/>
           <a:p>
@@ -5402,7 +5946,7 @@
             </a:r>
             <a:r>
               <a:rPr lang="en-US" sz="6700" dirty="0" smtClean="0"/>
-              <a:t>settings</a:t>
+              <a:t>geocoder</a:t>
             </a:r>
           </a:p>
           <a:p>
@@ -5412,48 +5956,114 @@
             <a:endParaRPr lang="en-US" sz="6700" dirty="0"/>
           </a:p>
           <a:p>
-            <a:pPr marL="0" lvl="0" indent="0" algn="ctr">
+            <a:pPr lvl="0"/>
+            <a:r>
+              <a:rPr lang="en-US" sz="3800" dirty="0" err="1"/>
+              <a:t>def</a:t>
+            </a:r>
+            <a:r>
+              <a:rPr lang="en-US" sz="3800" dirty="0"/>
+              <a:t> </a:t>
+            </a:r>
+            <a:r>
+              <a:rPr lang="en-US" sz="3800" dirty="0" smtClean="0"/>
+              <a:t>geocode – </a:t>
+            </a:r>
+            <a:r>
+              <a:rPr lang="ru-RU" sz="3800" dirty="0" smtClean="0">
+                <a:latin typeface="+mj-lt"/>
+              </a:rPr>
+              <a:t>обработка запроса</a:t>
+            </a:r>
+            <a:endParaRPr lang="en-US" sz="3800" dirty="0" smtClean="0">
+              <a:latin typeface="+mj-lt"/>
+            </a:endParaRPr>
+          </a:p>
+          <a:p>
+            <a:pPr lvl="0"/>
+            <a:r>
+              <a:rPr lang="en-US" sz="3800" dirty="0" err="1" smtClean="0"/>
+              <a:t>def</a:t>
+            </a:r>
+            <a:r>
+              <a:rPr lang="en-US" sz="3800" dirty="0" smtClean="0"/>
+              <a:t> </a:t>
+            </a:r>
+            <a:r>
+              <a:rPr lang="en-US" sz="3800" dirty="0" err="1" smtClean="0"/>
+              <a:t>get_coordinates</a:t>
+            </a:r>
+            <a:r>
+              <a:rPr lang="en-US" sz="3800" dirty="0" smtClean="0"/>
+              <a:t> – </a:t>
+            </a:r>
+            <a:r>
+              <a:rPr lang="ru-RU" sz="3800" dirty="0" smtClean="0"/>
+              <a:t>получение координат объекта по его адресу</a:t>
+            </a:r>
+          </a:p>
+          <a:p>
+            <a:pPr lvl="0"/>
+            <a:r>
+              <a:rPr lang="en-US" sz="3800" dirty="0" err="1"/>
+              <a:t>g</a:t>
+            </a:r>
+            <a:r>
+              <a:rPr lang="en-US" sz="3800" dirty="0" err="1" smtClean="0"/>
+              <a:t>et_ll_span</a:t>
+            </a:r>
+            <a:r>
+              <a:rPr lang="en-US" sz="3800" dirty="0" smtClean="0"/>
+              <a:t> – </a:t>
+            </a:r>
+            <a:r>
+              <a:rPr lang="ru-RU" sz="3800" dirty="0" smtClean="0"/>
+              <a:t>параметры объекта для рисования карты вокруг него</a:t>
+            </a:r>
+          </a:p>
+          <a:p>
+            <a:pPr lvl="0"/>
+            <a:r>
+              <a:rPr lang="en-US" sz="3800" dirty="0"/>
+              <a:t>s</a:t>
+            </a:r>
+            <a:r>
+              <a:rPr lang="en-US" sz="3800" dirty="0" smtClean="0"/>
+              <a:t>earch</a:t>
+            </a:r>
+            <a:r>
+              <a:rPr lang="ru-RU" sz="3800" dirty="0" smtClean="0"/>
+              <a:t> – нахождение организаций в городе</a:t>
+            </a:r>
+            <a:endParaRPr lang="en-US" sz="3800" dirty="0" smtClean="0"/>
+          </a:p>
+          <a:p>
+            <a:pPr marL="0" lvl="0" indent="0">
               <a:buNone/>
             </a:pPr>
-            <a:r>
-              <a:rPr lang="ru-RU" sz="4000" dirty="0" smtClean="0"/>
-              <a:t>Содержит переменные:</a:t>
-            </a:r>
-          </a:p>
-          <a:p>
-            <a:pPr marL="0" lvl="0" indent="0">
+            <a:endParaRPr lang="ru-RU" sz="4200" dirty="0"/>
+          </a:p>
+          <a:p>
+            <a:pPr marL="0" indent="0" algn="ctr">
               <a:buNone/>
             </a:pPr>
-            <a:endParaRPr lang="ru-RU" sz="4000" dirty="0" smtClean="0"/>
-          </a:p>
-          <a:p>
-            <a:r>
-              <a:rPr lang="ru-RU" sz="4000" dirty="0" err="1" smtClean="0"/>
-              <a:t>токен</a:t>
-            </a:r>
-            <a:r>
-              <a:rPr lang="ru-RU" sz="4000" dirty="0" smtClean="0"/>
-              <a:t> бота </a:t>
-            </a:r>
-          </a:p>
-          <a:p>
-            <a:r>
-              <a:rPr lang="ru-RU" sz="4000" dirty="0" smtClean="0"/>
-              <a:t>ключи для </a:t>
-            </a:r>
-            <a:r>
-              <a:rPr lang="en-US" sz="4000" dirty="0" smtClean="0"/>
+            <a:r>
+              <a:rPr lang="ru-RU" sz="4200" i="1" dirty="0" smtClean="0"/>
+              <a:t>Использован </a:t>
+            </a:r>
+            <a:r>
+              <a:rPr lang="en-US" sz="4200" i="1" dirty="0"/>
               <a:t>API </a:t>
             </a:r>
             <a:r>
-              <a:rPr lang="ru-RU" sz="4000" dirty="0" err="1" smtClean="0"/>
-              <a:t>Яндекс.Погоды</a:t>
-            </a:r>
-            <a:r>
-              <a:rPr lang="ru-RU" sz="4000" dirty="0" smtClean="0"/>
-              <a:t>, поиска по организациям </a:t>
-            </a:r>
-            <a:endParaRPr lang="ru-RU" sz="4000" i="1" dirty="0"/>
+              <a:rPr lang="ru-RU" sz="4200" i="1" dirty="0" err="1" smtClean="0"/>
+              <a:t>Яндекс.Карт</a:t>
+            </a:r>
+            <a:r>
+              <a:rPr lang="en-US" sz="4200" i="1" dirty="0" smtClean="0"/>
+              <a:t> (HTTP API)</a:t>
+            </a:r>
+            <a:endParaRPr lang="ru-RU" sz="4200" i="1" dirty="0"/>
           </a:p>
           <a:p>
             <a:pPr marL="0" lvl="0" indent="0">
@@ -5463,10 +6073,33 @@
           </a:p>
         </p:txBody>
       </p:sp>
+      <p:pic>
+        <p:nvPicPr>
+          <p:cNvPr id="7" name="Рисунок 6"/>
+          <p:cNvPicPr>
+            <a:picLocks noChangeAspect="1"/>
+          </p:cNvPicPr>
+          <p:nvPr/>
+        </p:nvPicPr>
+        <p:blipFill rotWithShape="1">
+          <a:blip r:embed="rId2"/>
+          <a:srcRect l="14059" t="11205" r="46423" b="22278"/>
+          <a:stretch/>
+        </p:blipFill>
+        <p:spPr>
+          <a:xfrm>
+            <a:off x="5640815" y="548112"/>
+            <a:ext cx="6065400" cy="5742934"/>
+          </a:xfrm>
+          <a:prstGeom prst="rect">
+            <a:avLst/>
+          </a:prstGeom>
+        </p:spPr>
+      </p:pic>
     </p:spTree>
     <p:extLst>
       <p:ext uri="{BB962C8B-B14F-4D97-AF65-F5344CB8AC3E}">
-        <p14:creationId xmlns:p14="http://schemas.microsoft.com/office/powerpoint/2010/main" val="2434090886"/>
+        <p14:creationId xmlns:p14="http://schemas.microsoft.com/office/powerpoint/2010/main" val="738137644"/>
       </p:ext>
     </p:extLst>
   </p:cSld>
@@ -5607,307 +6240,106 @@
       </p:grpSp>
       <p:sp>
         <p:nvSpPr>
-          <p:cNvPr id="3" name="Прямоугольник 2"/>
-          <p:cNvSpPr/>
-          <p:nvPr/>
+          <p:cNvPr id="8" name="Объект 6"/>
+          <p:cNvSpPr>
+            <a:spLocks noGrp="1"/>
+          </p:cNvSpPr>
+          <p:nvPr>
+            <p:ph idx="1"/>
+          </p:nvPr>
         </p:nvSpPr>
         <p:spPr>
           <a:xfrm>
-            <a:off x="868887" y="821351"/>
-            <a:ext cx="10443882" cy="4725524"/>
+            <a:off x="3433832" y="1307591"/>
+            <a:ext cx="5313992" cy="3685033"/>
           </a:xfrm>
-          <a:prstGeom prst="rect">
-            <a:avLst/>
-          </a:prstGeom>
         </p:spPr>
         <p:txBody>
-          <a:bodyPr wrap="square">
-            <a:spAutoFit/>
+          <a:bodyPr>
+            <a:normAutofit fontScale="62500" lnSpcReduction="20000"/>
           </a:bodyPr>
           <a:lstStyle/>
           <a:p>
-            <a:pPr algn="ctr">
-              <a:lnSpc>
-                <a:spcPct val="107000"/>
-              </a:lnSpc>
-              <a:spcAft>
-                <a:spcPts val="800"/>
-              </a:spcAft>
+            <a:pPr marL="0" indent="0">
+              <a:buNone/>
             </a:pPr>
-            <a:r>
-              <a:rPr lang="ru-RU" sz="2400" b="1" i="1" dirty="0">
-                <a:latin typeface="Consolas" panose="020B0609020204030204" pitchFamily="49" charset="0"/>
-              </a:rPr>
-              <a:t>Вывод по работе</a:t>
-            </a:r>
-            <a:r>
-              <a:rPr lang="ru-RU" sz="2400" b="1" i="1" dirty="0" smtClean="0">
-                <a:latin typeface="Consolas" panose="020B0609020204030204" pitchFamily="49" charset="0"/>
-              </a:rPr>
-              <a:t>:</a:t>
-            </a:r>
-          </a:p>
-          <a:p>
-            <a:pPr>
-              <a:lnSpc>
-                <a:spcPct val="107000"/>
-              </a:lnSpc>
-              <a:spcAft>
-                <a:spcPts val="800"/>
-              </a:spcAft>
+            <a:endParaRPr lang="ru-RU" b="1" dirty="0" smtClean="0"/>
+          </a:p>
+          <a:p>
+            <a:pPr marL="0" lvl="0" indent="0" algn="ctr">
+              <a:buNone/>
             </a:pPr>
             <a:r>
-              <a:rPr lang="ru-RU" sz="2400" dirty="0">
-                <a:latin typeface="Consolas" panose="020B0609020204030204" pitchFamily="49" charset="0"/>
-              </a:rPr>
-              <a:t/>
-            </a:r>
-            <a:br>
-              <a:rPr lang="ru-RU" sz="2400" dirty="0">
-                <a:latin typeface="Consolas" panose="020B0609020204030204" pitchFamily="49" charset="0"/>
-              </a:rPr>
-            </a:br>
-            <a:r>
-              <a:rPr lang="ru-RU" sz="2000" dirty="0" smtClean="0">
-                <a:latin typeface="Consolas" panose="020B0609020204030204" pitchFamily="49" charset="0"/>
-              </a:rPr>
-              <a:t>1) Реализовали своего </a:t>
-            </a:r>
-            <a:r>
-              <a:rPr lang="en-US" sz="2000" dirty="0" smtClean="0">
-                <a:latin typeface="Consolas" panose="020B0609020204030204" pitchFamily="49" charset="0"/>
-              </a:rPr>
-              <a:t>telegram-</a:t>
-            </a:r>
-            <a:r>
-              <a:rPr lang="ru-RU" sz="2000" dirty="0" smtClean="0">
-                <a:latin typeface="Consolas" panose="020B0609020204030204" pitchFamily="49" charset="0"/>
-              </a:rPr>
-              <a:t>бота </a:t>
-            </a:r>
-            <a:r>
-              <a:rPr lang="ru-RU" sz="2000" dirty="0">
-                <a:latin typeface="Consolas" panose="020B0609020204030204" pitchFamily="49" charset="0"/>
-              </a:rPr>
-              <a:t>«с нуля</a:t>
-            </a:r>
-            <a:r>
-              <a:rPr lang="ru-RU" sz="2000" dirty="0" smtClean="0">
-                <a:latin typeface="Consolas" panose="020B0609020204030204" pitchFamily="49" charset="0"/>
-              </a:rPr>
-              <a:t>»</a:t>
-            </a:r>
-          </a:p>
-          <a:p>
-            <a:pPr>
-              <a:lnSpc>
-                <a:spcPct val="107000"/>
-              </a:lnSpc>
-              <a:spcAft>
-                <a:spcPts val="800"/>
-              </a:spcAft>
+              <a:rPr lang="en-US" sz="3600" dirty="0" smtClean="0"/>
+              <a:t> </a:t>
+            </a:r>
+            <a:r>
+              <a:rPr lang="en-US" sz="6700" dirty="0" smtClean="0"/>
+              <a:t>settings</a:t>
+            </a:r>
+          </a:p>
+          <a:p>
+            <a:pPr marL="0" lvl="0" indent="0">
+              <a:buNone/>
             </a:pPr>
-            <a:r>
-              <a:rPr lang="ru-RU" sz="2000" dirty="0" smtClean="0">
-                <a:latin typeface="Consolas" panose="020B0609020204030204" pitchFamily="49" charset="0"/>
-              </a:rPr>
-              <a:t>2) Отработали навыки </a:t>
-            </a:r>
-            <a:r>
-              <a:rPr lang="ru-RU" sz="2000" dirty="0">
-                <a:latin typeface="Consolas" panose="020B0609020204030204" pitchFamily="49" charset="0"/>
-              </a:rPr>
-              <a:t>полученные в </a:t>
-            </a:r>
-            <a:r>
-              <a:rPr lang="ru-RU" sz="2000" dirty="0" err="1" smtClean="0">
-                <a:latin typeface="Consolas" panose="020B0609020204030204" pitchFamily="49" charset="0"/>
-              </a:rPr>
-              <a:t>Яндекс.Лицее</a:t>
-            </a:r>
-            <a:endParaRPr lang="ru-RU" sz="2000" dirty="0" smtClean="0">
-              <a:latin typeface="Consolas" panose="020B0609020204030204" pitchFamily="49" charset="0"/>
-            </a:endParaRPr>
-          </a:p>
-          <a:p>
-            <a:pPr>
-              <a:lnSpc>
-                <a:spcPct val="107000"/>
-              </a:lnSpc>
-              <a:spcAft>
-                <a:spcPts val="800"/>
-              </a:spcAft>
+            <a:endParaRPr lang="en-US" sz="6700" dirty="0"/>
+          </a:p>
+          <a:p>
+            <a:pPr marL="0" lvl="0" indent="0" algn="ctr">
+              <a:buNone/>
             </a:pPr>
             <a:r>
-              <a:rPr lang="ru-RU" sz="2000" dirty="0" smtClean="0">
-                <a:latin typeface="Consolas" panose="020B0609020204030204" pitchFamily="49" charset="0"/>
-              </a:rPr>
-              <a:t>3) Узнали </a:t>
-            </a:r>
-            <a:r>
-              <a:rPr lang="ru-RU" sz="2000" dirty="0">
-                <a:latin typeface="Consolas" panose="020B0609020204030204" pitchFamily="49" charset="0"/>
-              </a:rPr>
-              <a:t>больше о </a:t>
-            </a:r>
-            <a:r>
-              <a:rPr lang="ru-RU" sz="2000" dirty="0" smtClean="0">
-                <a:latin typeface="Consolas" panose="020B0609020204030204" pitchFamily="49" charset="0"/>
-              </a:rPr>
-              <a:t>принципе </a:t>
-            </a:r>
-            <a:r>
-              <a:rPr lang="ru-RU" sz="2000" dirty="0">
-                <a:latin typeface="Consolas" panose="020B0609020204030204" pitchFamily="49" charset="0"/>
-              </a:rPr>
-              <a:t>создания </a:t>
-            </a:r>
-            <a:r>
-              <a:rPr lang="ru-RU" sz="2000" dirty="0" smtClean="0">
-                <a:latin typeface="Consolas" panose="020B0609020204030204" pitchFamily="49" charset="0"/>
-              </a:rPr>
-              <a:t>ботов, о работе с </a:t>
-            </a:r>
-            <a:r>
-              <a:rPr lang="en-US" dirty="0" smtClean="0"/>
-              <a:t>API  </a:t>
-            </a:r>
-            <a:r>
-              <a:rPr lang="ru-RU" dirty="0" smtClean="0"/>
-              <a:t>и </a:t>
-            </a:r>
-            <a:r>
-              <a:rPr lang="en-US" dirty="0" smtClean="0"/>
-              <a:t>Telegram</a:t>
-            </a:r>
-            <a:endParaRPr lang="ru-RU" sz="2000" dirty="0" smtClean="0">
-              <a:latin typeface="Consolas" panose="020B0609020204030204" pitchFamily="49" charset="0"/>
-            </a:endParaRPr>
-          </a:p>
-          <a:p>
-            <a:pPr algn="ctr">
-              <a:lnSpc>
-                <a:spcPct val="107000"/>
-              </a:lnSpc>
-              <a:spcAft>
-                <a:spcPts val="800"/>
-              </a:spcAft>
+              <a:rPr lang="ru-RU" sz="4000" dirty="0" smtClean="0"/>
+              <a:t>Содержит переменные:</a:t>
+            </a:r>
+          </a:p>
+          <a:p>
+            <a:pPr marL="0" lvl="0" indent="0">
+              <a:buNone/>
             </a:pPr>
-            <a:endParaRPr lang="ru-RU" sz="2400" dirty="0" smtClean="0">
-              <a:latin typeface="Consolas" panose="020B0609020204030204" pitchFamily="49" charset="0"/>
-            </a:endParaRPr>
-          </a:p>
-          <a:p>
-            <a:pPr algn="ctr">
-              <a:lnSpc>
-                <a:spcPct val="107000"/>
-              </a:lnSpc>
-              <a:spcAft>
-                <a:spcPts val="800"/>
-              </a:spcAft>
+            <a:endParaRPr lang="ru-RU" sz="4000" dirty="0" smtClean="0"/>
+          </a:p>
+          <a:p>
+            <a:r>
+              <a:rPr lang="ru-RU" sz="4000" dirty="0" err="1" smtClean="0"/>
+              <a:t>токен</a:t>
+            </a:r>
+            <a:r>
+              <a:rPr lang="ru-RU" sz="4000" dirty="0" smtClean="0"/>
+              <a:t> бота </a:t>
+            </a:r>
+          </a:p>
+          <a:p>
+            <a:r>
+              <a:rPr lang="ru-RU" sz="4000" dirty="0" smtClean="0"/>
+              <a:t>ключи для </a:t>
+            </a:r>
+            <a:r>
+              <a:rPr lang="en-US" sz="4000" dirty="0" smtClean="0"/>
+              <a:t>API </a:t>
+            </a:r>
+            <a:r>
+              <a:rPr lang="ru-RU" sz="4000" dirty="0" err="1" smtClean="0"/>
+              <a:t>Яндекс.Погоды</a:t>
+            </a:r>
+            <a:r>
+              <a:rPr lang="ru-RU" sz="4000" dirty="0" smtClean="0"/>
+              <a:t>, поиска по организациям </a:t>
+            </a:r>
+            <a:endParaRPr lang="ru-RU" sz="4000" i="1" dirty="0"/>
+          </a:p>
+          <a:p>
+            <a:pPr marL="0" lvl="0" indent="0">
+              <a:buNone/>
             </a:pPr>
-            <a:r>
-              <a:rPr lang="ru-RU" sz="2400" dirty="0">
-                <a:latin typeface="Consolas" panose="020B0609020204030204" pitchFamily="49" charset="0"/>
-              </a:rPr>
-              <a:t/>
-            </a:r>
-            <a:br>
-              <a:rPr lang="ru-RU" sz="2400" dirty="0">
-                <a:latin typeface="Consolas" panose="020B0609020204030204" pitchFamily="49" charset="0"/>
-              </a:rPr>
-            </a:br>
-            <a:r>
-              <a:rPr lang="ru-RU" sz="2400" b="1" i="1" dirty="0">
-                <a:latin typeface="Consolas" panose="020B0609020204030204" pitchFamily="49" charset="0"/>
-              </a:rPr>
-              <a:t>Возможности для доработки и развития</a:t>
-            </a:r>
-            <a:r>
-              <a:rPr lang="ru-RU" sz="2400" b="1" i="1" dirty="0" smtClean="0">
-                <a:latin typeface="Consolas" panose="020B0609020204030204" pitchFamily="49" charset="0"/>
-              </a:rPr>
-              <a:t>:</a:t>
-            </a:r>
-          </a:p>
-          <a:p>
-            <a:pPr algn="ctr">
-              <a:lnSpc>
-                <a:spcPct val="107000"/>
-              </a:lnSpc>
-            </a:pPr>
-            <a:r>
-              <a:rPr lang="ru-RU" sz="2400" dirty="0">
-                <a:latin typeface="Consolas" panose="020B0609020204030204" pitchFamily="49" charset="0"/>
-              </a:rPr>
-              <a:t/>
-            </a:r>
-            <a:br>
-              <a:rPr lang="ru-RU" sz="2400" dirty="0">
-                <a:latin typeface="Consolas" panose="020B0609020204030204" pitchFamily="49" charset="0"/>
-              </a:rPr>
-            </a:br>
-            <a:r>
-              <a:rPr lang="ru-RU" sz="2000" dirty="0" smtClean="0">
-                <a:latin typeface="Consolas" panose="020B0609020204030204" pitchFamily="49" charset="0"/>
-              </a:rPr>
-              <a:t>Добавление распознавания речи, тогда можно будет взаимодействовать с ботом с помощью голосовых сообщений</a:t>
-            </a:r>
-            <a:endParaRPr lang="ru-RU" dirty="0">
-              <a:effectLst/>
-              <a:latin typeface="Consolas" panose="020B0609020204030204" pitchFamily="49" charset="0"/>
-              <a:ea typeface="Calibri" panose="020F0502020204030204" pitchFamily="34" charset="0"/>
-              <a:cs typeface="Times New Roman" panose="02020603050405020304" pitchFamily="18" charset="0"/>
-            </a:endParaRPr>
-          </a:p>
-        </p:txBody>
-      </p:sp>
-      <p:cxnSp>
-        <p:nvCxnSpPr>
-          <p:cNvPr id="4" name="Прямая соединительная линия 3"/>
-          <p:cNvCxnSpPr/>
-          <p:nvPr/>
-        </p:nvCxnSpPr>
-        <p:spPr>
-          <a:xfrm flipV="1">
-            <a:off x="950259" y="3419578"/>
-            <a:ext cx="10148047" cy="27207"/>
-          </a:xfrm>
-          <a:prstGeom prst="line">
-            <a:avLst/>
-          </a:prstGeom>
-          <a:ln>
-            <a:solidFill>
-              <a:schemeClr val="tx1"/>
-            </a:solidFill>
-          </a:ln>
-          <a:effectLst>
-            <a:outerShdw blurRad="63500" sx="102000" sy="102000" algn="ctr" rotWithShape="0">
-              <a:prstClr val="black">
-                <a:alpha val="40000"/>
-              </a:prstClr>
-            </a:outerShdw>
-          </a:effectLst>
-        </p:spPr>
-        <p:style>
-          <a:lnRef idx="1">
-            <a:schemeClr val="dk1"/>
-          </a:lnRef>
-          <a:fillRef idx="0">
-            <a:schemeClr val="dk1"/>
-          </a:fillRef>
-          <a:effectRef idx="0">
-            <a:schemeClr val="dk1"/>
-          </a:effectRef>
-          <a:fontRef idx="minor">
-            <a:schemeClr val="tx1"/>
-          </a:fontRef>
-        </p:style>
-      </p:cxnSp>
+            <a:endParaRPr lang="en-US" sz="3800" dirty="0" smtClean="0"/>
+          </a:p>
+        </p:txBody>
+      </p:sp>
     </p:spTree>
     <p:extLst>
       <p:ext uri="{BB962C8B-B14F-4D97-AF65-F5344CB8AC3E}">
-        <p14:creationId xmlns:p14="http://schemas.microsoft.com/office/powerpoint/2010/main" val="1867315165"/>
+        <p14:creationId xmlns:p14="http://schemas.microsoft.com/office/powerpoint/2010/main" val="2434090886"/>
       </p:ext>
     </p:extLst>
   </p:cSld>
@@ -6054,8 +6486,8 @@
         </p:nvSpPr>
         <p:spPr>
           <a:xfrm>
-            <a:off x="868887" y="2834105"/>
-            <a:ext cx="10443882" cy="843436"/>
+            <a:off x="868887" y="821351"/>
+            <a:ext cx="10443882" cy="4725524"/>
           </a:xfrm>
           <a:prstGeom prst="rect">
             <a:avLst/>
@@ -6076,12 +6508,225 @@
               </a:spcAft>
             </a:pPr>
             <a:r>
-              <a:rPr lang="ru-RU" sz="4800" i="1" dirty="0" smtClean="0">
+              <a:rPr lang="ru-RU" sz="2400" b="1" i="1" dirty="0">
                 <a:latin typeface="Consolas" panose="020B0609020204030204" pitchFamily="49" charset="0"/>
               </a:rPr>
-              <a:t>Спасибо за внимание!</a:t>
-            </a:r>
-            <a:endParaRPr lang="ru-RU" sz="4000" dirty="0">
+              <a:t>Вывод по работе</a:t>
+            </a:r>
+            <a:r>
+              <a:rPr lang="ru-RU" sz="2400" b="1" i="1" dirty="0" smtClean="0">
+                <a:latin typeface="Consolas" panose="020B0609020204030204" pitchFamily="49" charset="0"/>
+              </a:rPr>
+              <a:t>:</a:t>
+            </a:r>
+          </a:p>
+          <a:p>
+            <a:pPr>
+              <a:lnSpc>
+                <a:spcPct val="107000"/>
+              </a:lnSpc>
+              <a:spcAft>
+                <a:spcPts val="800"/>
+              </a:spcAft>
+            </a:pPr>
+            <a:r>
+              <a:rPr lang="ru-RU" sz="2400" dirty="0">
+                <a:latin typeface="Consolas" panose="020B0609020204030204" pitchFamily="49" charset="0"/>
+              </a:rPr>
+              <a:t/>
+            </a:r>
+            <a:br>
+              <a:rPr lang="ru-RU" sz="2400" dirty="0">
+                <a:latin typeface="Consolas" panose="020B0609020204030204" pitchFamily="49" charset="0"/>
+              </a:rPr>
+            </a:br>
+            <a:r>
+              <a:rPr lang="ru-RU" sz="2000" dirty="0" smtClean="0">
+                <a:latin typeface="Consolas" panose="020B0609020204030204" pitchFamily="49" charset="0"/>
+              </a:rPr>
+              <a:t>1) Реализовали своего </a:t>
+            </a:r>
+            <a:r>
+              <a:rPr lang="en-US" sz="2000" dirty="0" smtClean="0">
+                <a:latin typeface="Consolas" panose="020B0609020204030204" pitchFamily="49" charset="0"/>
+              </a:rPr>
+              <a:t>telegram-</a:t>
+            </a:r>
+            <a:r>
+              <a:rPr lang="ru-RU" sz="2000" dirty="0" smtClean="0">
+                <a:latin typeface="Consolas" panose="020B0609020204030204" pitchFamily="49" charset="0"/>
+              </a:rPr>
+              <a:t>бота </a:t>
+            </a:r>
+            <a:r>
+              <a:rPr lang="ru-RU" sz="2000" dirty="0">
+                <a:latin typeface="Consolas" panose="020B0609020204030204" pitchFamily="49" charset="0"/>
+              </a:rPr>
+              <a:t>«с нуля</a:t>
+            </a:r>
+            <a:r>
+              <a:rPr lang="ru-RU" sz="2000" dirty="0" smtClean="0">
+                <a:latin typeface="Consolas" panose="020B0609020204030204" pitchFamily="49" charset="0"/>
+              </a:rPr>
+              <a:t>»</a:t>
+            </a:r>
+          </a:p>
+          <a:p>
+            <a:pPr>
+              <a:lnSpc>
+                <a:spcPct val="107000"/>
+              </a:lnSpc>
+              <a:spcAft>
+                <a:spcPts val="800"/>
+              </a:spcAft>
+            </a:pPr>
+            <a:r>
+              <a:rPr lang="ru-RU" sz="2000" dirty="0" smtClean="0">
+                <a:latin typeface="Consolas" panose="020B0609020204030204" pitchFamily="49" charset="0"/>
+              </a:rPr>
+              <a:t>2) Отработали навыки </a:t>
+            </a:r>
+            <a:r>
+              <a:rPr lang="ru-RU" sz="2000" dirty="0">
+                <a:latin typeface="Consolas" panose="020B0609020204030204" pitchFamily="49" charset="0"/>
+              </a:rPr>
+              <a:t>полученные в </a:t>
+            </a:r>
+            <a:r>
+              <a:rPr lang="ru-RU" sz="2000" dirty="0" err="1" smtClean="0">
+                <a:latin typeface="Consolas" panose="020B0609020204030204" pitchFamily="49" charset="0"/>
+              </a:rPr>
+              <a:t>Яндекс.Лицее</a:t>
+            </a:r>
+            <a:endParaRPr lang="ru-RU" sz="2000" dirty="0" smtClean="0">
+              <a:latin typeface="Consolas" panose="020B0609020204030204" pitchFamily="49" charset="0"/>
+            </a:endParaRPr>
+          </a:p>
+          <a:p>
+            <a:pPr>
+              <a:lnSpc>
+                <a:spcPct val="107000"/>
+              </a:lnSpc>
+              <a:spcAft>
+                <a:spcPts val="800"/>
+              </a:spcAft>
+            </a:pPr>
+            <a:r>
+              <a:rPr lang="ru-RU" sz="2000" dirty="0" smtClean="0">
+                <a:latin typeface="Consolas" panose="020B0609020204030204" pitchFamily="49" charset="0"/>
+              </a:rPr>
+              <a:t>3) Узнали </a:t>
+            </a:r>
+            <a:r>
+              <a:rPr lang="ru-RU" sz="2000" dirty="0">
+                <a:latin typeface="Consolas" panose="020B0609020204030204" pitchFamily="49" charset="0"/>
+              </a:rPr>
+              <a:t>больше о </a:t>
+            </a:r>
+            <a:r>
+              <a:rPr lang="ru-RU" sz="2000" dirty="0" smtClean="0">
+                <a:latin typeface="Consolas" panose="020B0609020204030204" pitchFamily="49" charset="0"/>
+              </a:rPr>
+              <a:t>принципе </a:t>
+            </a:r>
+            <a:r>
+              <a:rPr lang="ru-RU" sz="2000" dirty="0">
+                <a:latin typeface="Consolas" panose="020B0609020204030204" pitchFamily="49" charset="0"/>
+              </a:rPr>
+              <a:t>создания </a:t>
+            </a:r>
+            <a:r>
+              <a:rPr lang="ru-RU" sz="2000" dirty="0" smtClean="0">
+                <a:latin typeface="Consolas" panose="020B0609020204030204" pitchFamily="49" charset="0"/>
+              </a:rPr>
+              <a:t>ботов, о работе с </a:t>
+            </a:r>
+            <a:r>
+              <a:rPr lang="en-US" dirty="0" smtClean="0"/>
+              <a:t>API  </a:t>
+            </a:r>
+            <a:r>
+              <a:rPr lang="ru-RU" dirty="0" smtClean="0"/>
+              <a:t>и </a:t>
+            </a:r>
+            <a:r>
+              <a:rPr lang="en-US" dirty="0" smtClean="0"/>
+              <a:t>Telegram</a:t>
+            </a:r>
+            <a:endParaRPr lang="ru-RU" sz="2000" dirty="0" smtClean="0">
+              <a:latin typeface="Consolas" panose="020B0609020204030204" pitchFamily="49" charset="0"/>
+            </a:endParaRPr>
+          </a:p>
+          <a:p>
+            <a:pPr algn="ctr">
+              <a:lnSpc>
+                <a:spcPct val="107000"/>
+              </a:lnSpc>
+              <a:spcAft>
+                <a:spcPts val="800"/>
+              </a:spcAft>
+            </a:pPr>
+            <a:endParaRPr lang="ru-RU" sz="2400" dirty="0" smtClean="0">
+              <a:latin typeface="Consolas" panose="020B0609020204030204" pitchFamily="49" charset="0"/>
+            </a:endParaRPr>
+          </a:p>
+          <a:p>
+            <a:pPr algn="ctr">
+              <a:lnSpc>
+                <a:spcPct val="107000"/>
+              </a:lnSpc>
+              <a:spcAft>
+                <a:spcPts val="800"/>
+              </a:spcAft>
+            </a:pPr>
+            <a:r>
+              <a:rPr lang="ru-RU" sz="2400" dirty="0">
+                <a:latin typeface="Consolas" panose="020B0609020204030204" pitchFamily="49" charset="0"/>
+              </a:rPr>
+              <a:t/>
+            </a:r>
+            <a:br>
+              <a:rPr lang="ru-RU" sz="2400" dirty="0">
+                <a:latin typeface="Consolas" panose="020B0609020204030204" pitchFamily="49" charset="0"/>
+              </a:rPr>
+            </a:br>
+            <a:r>
+              <a:rPr lang="ru-RU" sz="2400" b="1" i="1" dirty="0">
+                <a:latin typeface="Consolas" panose="020B0609020204030204" pitchFamily="49" charset="0"/>
+              </a:rPr>
+              <a:t>Возможности для доработки и развития</a:t>
+            </a:r>
+            <a:r>
+              <a:rPr lang="ru-RU" sz="2400" b="1" i="1" dirty="0" smtClean="0">
+                <a:latin typeface="Consolas" panose="020B0609020204030204" pitchFamily="49" charset="0"/>
+              </a:rPr>
+              <a:t>:</a:t>
+            </a:r>
+          </a:p>
+          <a:p>
+            <a:pPr algn="ctr">
+              <a:lnSpc>
+                <a:spcPct val="107000"/>
+              </a:lnSpc>
+            </a:pPr>
+            <a:r>
+              <a:rPr lang="ru-RU" sz="2400" dirty="0">
+                <a:latin typeface="Consolas" panose="020B0609020204030204" pitchFamily="49" charset="0"/>
+              </a:rPr>
+              <a:t/>
+            </a:r>
+            <a:br>
+              <a:rPr lang="ru-RU" sz="2400" dirty="0">
+                <a:latin typeface="Consolas" panose="020B0609020204030204" pitchFamily="49" charset="0"/>
+              </a:rPr>
+            </a:br>
+            <a:r>
+              <a:rPr lang="ru-RU" sz="2000" dirty="0" smtClean="0">
+                <a:latin typeface="Consolas" panose="020B0609020204030204" pitchFamily="49" charset="0"/>
+              </a:rPr>
+              <a:t>Добавление распознавания речи, тогда можно будет взаимодействовать с ботом с помощью голосовых сообщений</a:t>
+            </a:r>
+            <a:endParaRPr lang="ru-RU" dirty="0">
               <a:effectLst/>
               <a:latin typeface="Consolas" panose="020B0609020204030204" pitchFamily="49" charset="0"/>
               <a:ea typeface="Calibri" panose="020F0502020204030204" pitchFamily="34" charset="0"/>
@@ -6090,10 +6735,52 @@
           </a:p>
         </p:txBody>
       </p:sp>
+      <p:cxnSp>
+        <p:nvCxnSpPr>
+          <p:cNvPr id="4" name="Прямая соединительная линия 3"/>
+          <p:cNvCxnSpPr/>
+          <p:nvPr/>
+        </p:nvCxnSpPr>
+        <p:spPr>
+          <a:xfrm flipV="1">
+            <a:off x="950259" y="3419578"/>
+            <a:ext cx="10148047" cy="27207"/>
+          </a:xfrm>
+          <a:prstGeom prst="line">
+            <a:avLst/>
+          </a:prstGeom>
+          <a:ln>
+            <a:solidFill>
+              <a:schemeClr val="tx1"/>
+            </a:solidFill>
+          </a:ln>
+          <a:effectLst>
+            <a:outerShdw blurRad="63500" sx="102000" sy="102000" algn="ctr" rotWithShape="0">
+              <a:prstClr val="black">
+                <a:alpha val="40000"/>
+              </a:prstClr>
+            </a:outerShdw>
+          </a:effectLst>
+        </p:spPr>
+        <p:style>
+          <a:lnRef idx="1">
+            <a:schemeClr val="dk1"/>
+          </a:lnRef>
+          <a:fillRef idx="0">
+            <a:schemeClr val="dk1"/>
+          </a:fillRef>
+          <a:effectRef idx="0">
+            <a:schemeClr val="dk1"/>
+          </a:effectRef>
+          <a:fontRef idx="minor">
+            <a:schemeClr val="tx1"/>
+          </a:fontRef>
+        </p:style>
+      </p:cxnSp>
     </p:spTree>
     <p:extLst>
       <p:ext uri="{BB962C8B-B14F-4D97-AF65-F5344CB8AC3E}">
-        <p14:creationId xmlns:p14="http://schemas.microsoft.com/office/powerpoint/2010/main" val="2640063360"/>
+        <p14:creationId xmlns:p14="http://schemas.microsoft.com/office/powerpoint/2010/main" val="1867315165"/>
       </p:ext>
     </p:extLst>
   </p:cSld>
@@ -6368,4 +7055,265 @@
     </a:ext>
   </a:extLst>
 </a:theme>
+</file>
+
+<file path=ppt/theme/theme2.xml><?xml version="1.0" encoding="utf-8"?>
+<a:theme xmlns:a="http://schemas.openxmlformats.org/drawingml/2006/main" name="Тема Office">
+  <a:themeElements>
+    <a:clrScheme name="Стандартная">
+      <a:dk1>
+        <a:sysClr val="windowText" lastClr="000000"/>
+      </a:dk1>
+      <a:lt1>
+        <a:sysClr val="window" lastClr="FFFFFF"/>
+      </a:lt1>
+      <a:dk2>
+        <a:srgbClr val="44546A"/>
+      </a:dk2>
+      <a:lt2>
+        <a:srgbClr val="E7E6E6"/>
+      </a:lt2>
+      <a:accent1>
+        <a:srgbClr val="5B9BD5"/>
+      </a:accent1>
+      <a:accent2>
+        <a:srgbClr val="ED7D31"/>
+      </a:accent2>
+      <a:accent3>
+        <a:srgbClr val="A5A5A5"/>
+      </a:accent3>
+      <a:accent4>
+        <a:srgbClr val="FFC000"/>
+      </a:accent4>
+      <a:accent5>
+        <a:srgbClr val="4472C4"/>
+      </a:accent5>
+      <a:accent6>
+        <a:srgbClr val="70AD47"/>
+      </a:accent6>
+      <a:hlink>
+        <a:srgbClr val="0563C1"/>
+      </a:hlink>
+      <a:folHlink>
+        <a:srgbClr val="954F72"/>
+      </a:folHlink>
+    </a:clrScheme>
+    <a:fontScheme name="Стандартная">
+      <a:majorFont>
+        <a:latin typeface="Calibri Light" panose="020F0302020204030204"/>
+        <a:ea typeface=""/>
+        <a:cs typeface=""/>
+        <a:font script="Jpan" typeface="游ゴシック Light"/>
+        <a:font script="Hang" typeface="맑은 고딕"/>
+        <a:font script="Hans" typeface="等线 Light"/>
+        <a:font script="Hant" typeface="新細明體"/>
+        <a:font script="Arab" typeface="Times New Roman"/>
+        <a:font script="Hebr" typeface="Times New Roman"/>
+        <a:font script="Thai" typeface="Angsana New"/>
+        <a:font script="Ethi" typeface="Nyala"/>
+        <a:font script="Beng" typeface="Vrinda"/>
+        <a:font script="Gujr" typeface="Shruti"/>
+        <a:font script="Khmr" typeface="MoolBoran"/>
+        <a:font script="Knda" typeface="Tunga"/>
+        <a:font script="Guru" typeface="Raavi"/>
+        <a:font script="Cans" typeface="Euphemia"/>
+        <a:font script="Cher" typeface="Plantagenet Cherokee"/>
+        <a:font script="Yiii" typeface="Microsoft Yi Baiti"/>
+        <a:font script="Tibt" typeface="Microsoft Himalaya"/>
+        <a:font script="Thaa" typeface="MV Boli"/>
+        <a:font script="Deva" typeface="Mangal"/>
+        <a:font script="Telu" typeface="Gautami"/>
+        <a:font script="Taml" typeface="Latha"/>
+        <a:font script="Syrc" typeface="Estrangelo Edessa"/>
+        <a:font script="Orya" typeface="Kalinga"/>
+        <a:font script="Mlym" typeface="Kartika"/>
+        <a:font script="Laoo" typeface="DokChampa"/>
+        <a:font script="Sinh" typeface="Iskoola Pota"/>
+        <a:font script="Mong" typeface="Mongolian Baiti"/>
+        <a:font script="Viet" typeface="Times New Roman"/>
+        <a:font script="Uigh" typeface="Microsoft Uighur"/>
+        <a:font script="Geor" typeface="Sylfaen"/>
+      </a:majorFont>
+      <a:minorFont>
+        <a:latin typeface="Calibri" panose="020F0502020204030204"/>
+        <a:ea typeface=""/>
+        <a:cs typeface=""/>
+        <a:font script="Jpan" typeface="游ゴシック"/>
+        <a:font script="Hang" typeface="맑은 고딕"/>
+        <a:font script="Hans" typeface="等线"/>
+        <a:font script="Hant" typeface="新細明體"/>
+        <a:font script="Arab" typeface="Arial"/>
+        <a:font script="Hebr" typeface="Arial"/>
+        <a:font script="Thai" typeface="Cordia New"/>
+        <a:font script="Ethi" typeface="Nyala"/>
+        <a:font script="Beng" typeface="Vrinda"/>
+        <a:font script="Gujr" typeface="Shruti"/>
+        <a:font script="Khmr" typeface="DaunPenh"/>
+        <a:font script="Knda" typeface="Tunga"/>
+        <a:font script="Guru" typeface="Raavi"/>
+        <a:font script="Cans" typeface="Euphemia"/>
+        <a:font script="Cher" typeface="Plantagenet Cherokee"/>
+        <a:font script="Yiii" typeface="Microsoft Yi Baiti"/>
+        <a:font script="Tibt" typeface="Microsoft Himalaya"/>
+        <a:font script="Thaa" typeface="MV Boli"/>
+        <a:font script="Deva" typeface="Mangal"/>
+        <a:font script="Telu" typeface="Gautami"/>
+        <a:font script="Taml" typeface="Latha"/>
+        <a:font script="Syrc" typeface="Estrangelo Edessa"/>
+        <a:font script="Orya" typeface="Kalinga"/>
+        <a:font script="Mlym" typeface="Kartika"/>
+        <a:font script="Laoo" typeface="DokChampa"/>
+        <a:font script="Sinh" typeface="Iskoola Pota"/>
+        <a:font script="Mong" typeface="Mongolian Baiti"/>
+        <a:font script="Viet" typeface="Arial"/>
+        <a:font script="Uigh" typeface="Microsoft Uighur"/>
+        <a:font script="Geor" typeface="Sylfaen"/>
+      </a:minorFont>
+    </a:fontScheme>
+    <a:fmtScheme name="Стандартная">
+      <a:fillStyleLst>
+        <a:solidFill>
+          <a:schemeClr val="phClr"/>
+        </a:solidFill>
+        <a:gradFill rotWithShape="1">
+          <a:gsLst>
+            <a:gs pos="0">
+              <a:schemeClr val="phClr">
+                <a:lumMod val="110000"/>
+                <a:satMod val="105000"/>
+                <a:tint val="67000"/>
+              </a:schemeClr>
+            </a:gs>
+            <a:gs pos="50000">
+              <a:schemeClr val="phClr">
+                <a:lumMod val="105000"/>
+                <a:satMod val="103000"/>
+                <a:tint val="73000"/>
+              </a:schemeClr>
+            </a:gs>
+            <a:gs pos="100000">
+              <a:schemeClr val="phClr">
+                <a:lumMod val="105000"/>
+                <a:satMod val="109000"/>
+                <a:tint val="81000"/>
+              </a:schemeClr>
+            </a:gs>
+          </a:gsLst>
+          <a:lin ang="5400000" scaled="0"/>
+        </a:gradFill>
+        <a:gradFill rotWithShape="1">
+          <a:gsLst>
+            <a:gs pos="0">
+              <a:schemeClr val="phClr">
+                <a:satMod val="103000"/>
+                <a:lumMod val="102000"/>
+                <a:tint val="94000"/>
+              </a:schemeClr>
+            </a:gs>
+            <a:gs pos="50000">
+              <a:schemeClr val="phClr">
+                <a:satMod val="110000"/>
+                <a:lumMod val="100000"/>
+                <a:shade val="100000"/>
+              </a:schemeClr>
+            </a:gs>
+            <a:gs pos="100000">
+              <a:schemeClr val="phClr">
+                <a:lumMod val="99000"/>
+                <a:satMod val="120000"/>
+                <a:shade val="78000"/>
+              </a:schemeClr>
+            </a:gs>
+          </a:gsLst>
+          <a:lin ang="5400000" scaled="0"/>
+        </a:gradFill>
+      </a:fillStyleLst>
+      <a:lnStyleLst>
+        <a:ln w="6350" cap="flat" cmpd="sng" algn="ctr">
+          <a:solidFill>
+            <a:schemeClr val="phClr"/>
+          </a:solidFill>
+          <a:prstDash val="solid"/>
+          <a:miter lim="800000"/>
+        </a:ln>
+        <a:ln w="12700" cap="flat" cmpd="sng" algn="ctr">
+          <a:solidFill>
+            <a:schemeClr val="phClr"/>
+          </a:solidFill>
+          <a:prstDash val="solid"/>
+          <a:miter lim="800000"/>
+        </a:ln>
+        <a:ln w="19050" cap="flat" cmpd="sng" algn="ctr">
+          <a:solidFill>
+            <a:schemeClr val="phClr"/>
+          </a:solidFill>
+          <a:prstDash val="solid"/>
+          <a:miter lim="800000"/>
+        </a:ln>
+      </a:lnStyleLst>
+      <a:effectStyleLst>
+        <a:effectStyle>
+          <a:effectLst/>
+        </a:effectStyle>
+        <a:effectStyle>
+          <a:effectLst/>
+        </a:effectStyle>
+        <a:effectStyle>
+          <a:effectLst>
+            <a:outerShdw blurRad="57150" dist="19050" dir="5400000" algn="ctr" rotWithShape="0">
+              <a:srgbClr val="000000">
+                <a:alpha val="63000"/>
+              </a:srgbClr>
+            </a:outerShdw>
+          </a:effectLst>
+        </a:effectStyle>
+      </a:effectStyleLst>
+      <a:bgFillStyleLst>
+        <a:solidFill>
+          <a:schemeClr val="phClr"/>
+        </a:solidFill>
+        <a:solidFill>
+          <a:schemeClr val="phClr">
+            <a:tint val="95000"/>
+            <a:satMod val="170000"/>
+          </a:schemeClr>
+        </a:solidFill>
+        <a:gradFill rotWithShape="1">
+          <a:gsLst>
+            <a:gs pos="0">
+              <a:schemeClr val="phClr">
+                <a:tint val="93000"/>
+                <a:satMod val="150000"/>
+                <a:shade val="98000"/>
+                <a:lumMod val="102000"/>
+              </a:schemeClr>
+            </a:gs>
+            <a:gs pos="50000">
+              <a:schemeClr val="phClr">
+                <a:tint val="98000"/>
+                <a:satMod val="130000"/>
+                <a:shade val="90000"/>
+                <a:lumMod val="103000"/>
+              </a:schemeClr>
+            </a:gs>
+            <a:gs pos="100000">
+              <a:schemeClr val="phClr">
+                <a:shade val="63000"/>
+                <a:satMod val="120000"/>
+              </a:schemeClr>
+            </a:gs>
+          </a:gsLst>
+          <a:lin ang="5400000" scaled="0"/>
+        </a:gradFill>
+      </a:bgFillStyleLst>
+    </a:fmtScheme>
+  </a:themeElements>
+  <a:objectDefaults/>
+  <a:extraClrSchemeLst/>
+  <a:extLst>
+    <a:ext uri="{05A4C25C-085E-4340-85A3-A5531E510DB2}">
+      <thm15:themeFamily xmlns:thm15="http://schemas.microsoft.com/office/thememl/2012/main" name="Office Theme" id="{62F939B6-93AF-4DB8-9C6B-D6C7DFDC589F}" vid="{4A3C46E8-61CC-4603-A589-7422A47A8E4A}"/>
+    </a:ext>
+  </a:extLst>
+</a:theme>
 </file>
--- a/Презентация телеграмм бота.pptx
+++ b/Презентация телеграмм бота.pptx
@@ -4560,8 +4560,31 @@
         </p:blipFill>
         <p:spPr>
           <a:xfrm>
-            <a:off x="3536799" y="1480678"/>
+            <a:off x="6289646" y="1515982"/>
             <a:ext cx="5104281" cy="3705408"/>
+          </a:xfrm>
+          <a:prstGeom prst="rect">
+            <a:avLst/>
+          </a:prstGeom>
+        </p:spPr>
+      </p:pic>
+      <p:pic>
+        <p:nvPicPr>
+          <p:cNvPr id="3" name="Рисунок 2"/>
+          <p:cNvPicPr>
+            <a:picLocks noChangeAspect="1"/>
+          </p:cNvPicPr>
+          <p:nvPr/>
+        </p:nvPicPr>
+        <p:blipFill rotWithShape="1">
+          <a:blip r:embed="rId4"/>
+          <a:srcRect l="47790" t="22744" r="27057" b="21111"/>
+          <a:stretch/>
+        </p:blipFill>
+        <p:spPr>
+          <a:xfrm>
+            <a:off x="1337897" y="407225"/>
+            <a:ext cx="4717287" cy="5922922"/>
           </a:xfrm>
           <a:prstGeom prst="rect">
             <a:avLst/>
